--- a/Presentation1.pptx
+++ b/Presentation1.pptx
@@ -109,6 +109,3138 @@
     </a:lvl9pPr>
   </p:defaultTextStyle>
 </p:presentation>
+</file>
+
+<file path=ppt/diagrams/colors1.xml><?xml version="1.0" encoding="utf-8"?>
+<dgm:colorsDef xmlns:dgm="http://schemas.openxmlformats.org/drawingml/2006/diagram" xmlns:a="http://schemas.openxmlformats.org/drawingml/2006/main" uniqueId="urn:microsoft.com/office/officeart/2005/8/colors/accent1_2">
+  <dgm:title val=""/>
+  <dgm:desc val=""/>
+  <dgm:catLst>
+    <dgm:cat type="accent1" pri="11200"/>
+  </dgm:catLst>
+  <dgm:styleLbl name="node0">
+    <dgm:fillClrLst meth="repeat">
+      <a:schemeClr val="accent1"/>
+    </dgm:fillClrLst>
+    <dgm:linClrLst meth="repeat">
+      <a:schemeClr val="lt1"/>
+    </dgm:linClrLst>
+    <dgm:effectClrLst/>
+    <dgm:txLinClrLst/>
+    <dgm:txFillClrLst/>
+    <dgm:txEffectClrLst/>
+  </dgm:styleLbl>
+  <dgm:styleLbl name="alignNode1">
+    <dgm:fillClrLst meth="repeat">
+      <a:schemeClr val="accent1"/>
+    </dgm:fillClrLst>
+    <dgm:linClrLst meth="repeat">
+      <a:schemeClr val="accent1"/>
+    </dgm:linClrLst>
+    <dgm:effectClrLst/>
+    <dgm:txLinClrLst/>
+    <dgm:txFillClrLst/>
+    <dgm:txEffectClrLst/>
+  </dgm:styleLbl>
+  <dgm:styleLbl name="node1">
+    <dgm:fillClrLst meth="repeat">
+      <a:schemeClr val="accent1"/>
+    </dgm:fillClrLst>
+    <dgm:linClrLst meth="repeat">
+      <a:schemeClr val="lt1"/>
+    </dgm:linClrLst>
+    <dgm:effectClrLst/>
+    <dgm:txLinClrLst/>
+    <dgm:txFillClrLst/>
+    <dgm:txEffectClrLst/>
+  </dgm:styleLbl>
+  <dgm:styleLbl name="lnNode1">
+    <dgm:fillClrLst meth="repeat">
+      <a:schemeClr val="accent1"/>
+    </dgm:fillClrLst>
+    <dgm:linClrLst meth="repeat">
+      <a:schemeClr val="lt1"/>
+    </dgm:linClrLst>
+    <dgm:effectClrLst/>
+    <dgm:txLinClrLst/>
+    <dgm:txFillClrLst/>
+    <dgm:txEffectClrLst/>
+  </dgm:styleLbl>
+  <dgm:styleLbl name="vennNode1">
+    <dgm:fillClrLst meth="repeat">
+      <a:schemeClr val="accent1">
+        <a:alpha val="50000"/>
+      </a:schemeClr>
+    </dgm:fillClrLst>
+    <dgm:linClrLst meth="repeat">
+      <a:schemeClr val="lt1"/>
+    </dgm:linClrLst>
+    <dgm:effectClrLst/>
+    <dgm:txLinClrLst/>
+    <dgm:txFillClrLst/>
+    <dgm:txEffectClrLst/>
+  </dgm:styleLbl>
+  <dgm:styleLbl name="node2">
+    <dgm:fillClrLst meth="repeat">
+      <a:schemeClr val="accent1"/>
+    </dgm:fillClrLst>
+    <dgm:linClrLst meth="repeat">
+      <a:schemeClr val="lt1"/>
+    </dgm:linClrLst>
+    <dgm:effectClrLst/>
+    <dgm:txLinClrLst/>
+    <dgm:txFillClrLst/>
+    <dgm:txEffectClrLst/>
+  </dgm:styleLbl>
+  <dgm:styleLbl name="node3">
+    <dgm:fillClrLst meth="repeat">
+      <a:schemeClr val="accent1"/>
+    </dgm:fillClrLst>
+    <dgm:linClrLst meth="repeat">
+      <a:schemeClr val="lt1"/>
+    </dgm:linClrLst>
+    <dgm:effectClrLst/>
+    <dgm:txLinClrLst/>
+    <dgm:txFillClrLst/>
+    <dgm:txEffectClrLst/>
+  </dgm:styleLbl>
+  <dgm:styleLbl name="node4">
+    <dgm:fillClrLst meth="repeat">
+      <a:schemeClr val="accent1"/>
+    </dgm:fillClrLst>
+    <dgm:linClrLst meth="repeat">
+      <a:schemeClr val="lt1"/>
+    </dgm:linClrLst>
+    <dgm:effectClrLst/>
+    <dgm:txLinClrLst/>
+    <dgm:txFillClrLst/>
+    <dgm:txEffectClrLst/>
+  </dgm:styleLbl>
+  <dgm:styleLbl name="fgImgPlace1">
+    <dgm:fillClrLst meth="repeat">
+      <a:schemeClr val="accent1">
+        <a:tint val="50000"/>
+      </a:schemeClr>
+    </dgm:fillClrLst>
+    <dgm:linClrLst meth="repeat">
+      <a:schemeClr val="lt1"/>
+    </dgm:linClrLst>
+    <dgm:effectClrLst/>
+    <dgm:txLinClrLst/>
+    <dgm:txFillClrLst meth="repeat">
+      <a:schemeClr val="lt1"/>
+    </dgm:txFillClrLst>
+    <dgm:txEffectClrLst/>
+  </dgm:styleLbl>
+  <dgm:styleLbl name="alignImgPlace1">
+    <dgm:fillClrLst meth="repeat">
+      <a:schemeClr val="accent1">
+        <a:tint val="50000"/>
+      </a:schemeClr>
+    </dgm:fillClrLst>
+    <dgm:linClrLst meth="repeat">
+      <a:schemeClr val="lt1"/>
+    </dgm:linClrLst>
+    <dgm:effectClrLst/>
+    <dgm:txLinClrLst/>
+    <dgm:txFillClrLst meth="repeat">
+      <a:schemeClr val="lt1"/>
+    </dgm:txFillClrLst>
+    <dgm:txEffectClrLst/>
+  </dgm:styleLbl>
+  <dgm:styleLbl name="bgImgPlace1">
+    <dgm:fillClrLst meth="repeat">
+      <a:schemeClr val="accent1">
+        <a:tint val="50000"/>
+      </a:schemeClr>
+    </dgm:fillClrLst>
+    <dgm:linClrLst meth="repeat">
+      <a:schemeClr val="lt1"/>
+    </dgm:linClrLst>
+    <dgm:effectClrLst/>
+    <dgm:txLinClrLst/>
+    <dgm:txFillClrLst meth="repeat">
+      <a:schemeClr val="lt1"/>
+    </dgm:txFillClrLst>
+    <dgm:txEffectClrLst/>
+  </dgm:styleLbl>
+  <dgm:styleLbl name="sibTrans2D1">
+    <dgm:fillClrLst meth="repeat">
+      <a:schemeClr val="accent1">
+        <a:tint val="60000"/>
+      </a:schemeClr>
+    </dgm:fillClrLst>
+    <dgm:linClrLst meth="repeat">
+      <a:schemeClr val="accent1">
+        <a:tint val="60000"/>
+      </a:schemeClr>
+    </dgm:linClrLst>
+    <dgm:effectClrLst/>
+    <dgm:txLinClrLst/>
+    <dgm:txFillClrLst/>
+    <dgm:txEffectClrLst/>
+  </dgm:styleLbl>
+  <dgm:styleLbl name="fgSibTrans2D1">
+    <dgm:fillClrLst meth="repeat">
+      <a:schemeClr val="accent1">
+        <a:tint val="60000"/>
+      </a:schemeClr>
+    </dgm:fillClrLst>
+    <dgm:linClrLst meth="repeat">
+      <a:schemeClr val="accent1">
+        <a:tint val="60000"/>
+      </a:schemeClr>
+    </dgm:linClrLst>
+    <dgm:effectClrLst/>
+    <dgm:txLinClrLst/>
+    <dgm:txFillClrLst/>
+    <dgm:txEffectClrLst/>
+  </dgm:styleLbl>
+  <dgm:styleLbl name="bgSibTrans2D1">
+    <dgm:fillClrLst meth="repeat">
+      <a:schemeClr val="accent1">
+        <a:tint val="60000"/>
+      </a:schemeClr>
+    </dgm:fillClrLst>
+    <dgm:linClrLst meth="repeat">
+      <a:schemeClr val="accent1">
+        <a:tint val="60000"/>
+      </a:schemeClr>
+    </dgm:linClrLst>
+    <dgm:effectClrLst/>
+    <dgm:txLinClrLst/>
+    <dgm:txFillClrLst/>
+    <dgm:txEffectClrLst/>
+  </dgm:styleLbl>
+  <dgm:styleLbl name="sibTrans1D1">
+    <dgm:fillClrLst meth="repeat">
+      <a:schemeClr val="accent1"/>
+    </dgm:fillClrLst>
+    <dgm:linClrLst meth="repeat">
+      <a:schemeClr val="accent1"/>
+    </dgm:linClrLst>
+    <dgm:effectClrLst/>
+    <dgm:txLinClrLst/>
+    <dgm:txFillClrLst meth="repeat">
+      <a:schemeClr val="tx1"/>
+    </dgm:txFillClrLst>
+    <dgm:txEffectClrLst/>
+  </dgm:styleLbl>
+  <dgm:styleLbl name="callout">
+    <dgm:fillClrLst meth="repeat">
+      <a:schemeClr val="accent1"/>
+    </dgm:fillClrLst>
+    <dgm:linClrLst meth="repeat">
+      <a:schemeClr val="accent1">
+        <a:tint val="50000"/>
+      </a:schemeClr>
+    </dgm:linClrLst>
+    <dgm:effectClrLst/>
+    <dgm:txLinClrLst/>
+    <dgm:txFillClrLst meth="repeat">
+      <a:schemeClr val="tx1"/>
+    </dgm:txFillClrLst>
+    <dgm:txEffectClrLst/>
+  </dgm:styleLbl>
+  <dgm:styleLbl name="asst0">
+    <dgm:fillClrLst meth="repeat">
+      <a:schemeClr val="accent1"/>
+    </dgm:fillClrLst>
+    <dgm:linClrLst meth="repeat">
+      <a:schemeClr val="lt1"/>
+    </dgm:linClrLst>
+    <dgm:effectClrLst/>
+    <dgm:txLinClrLst/>
+    <dgm:txFillClrLst/>
+    <dgm:txEffectClrLst/>
+  </dgm:styleLbl>
+  <dgm:styleLbl name="asst1">
+    <dgm:fillClrLst meth="repeat">
+      <a:schemeClr val="accent1"/>
+    </dgm:fillClrLst>
+    <dgm:linClrLst meth="repeat">
+      <a:schemeClr val="lt1"/>
+    </dgm:linClrLst>
+    <dgm:effectClrLst/>
+    <dgm:txLinClrLst/>
+    <dgm:txFillClrLst/>
+    <dgm:txEffectClrLst/>
+  </dgm:styleLbl>
+  <dgm:styleLbl name="asst2">
+    <dgm:fillClrLst meth="repeat">
+      <a:schemeClr val="accent1"/>
+    </dgm:fillClrLst>
+    <dgm:linClrLst meth="repeat">
+      <a:schemeClr val="lt1"/>
+    </dgm:linClrLst>
+    <dgm:effectClrLst/>
+    <dgm:txLinClrLst/>
+    <dgm:txFillClrLst/>
+    <dgm:txEffectClrLst/>
+  </dgm:styleLbl>
+  <dgm:styleLbl name="asst3">
+    <dgm:fillClrLst meth="repeat">
+      <a:schemeClr val="accent1"/>
+    </dgm:fillClrLst>
+    <dgm:linClrLst meth="repeat">
+      <a:schemeClr val="lt1"/>
+    </dgm:linClrLst>
+    <dgm:effectClrLst/>
+    <dgm:txLinClrLst/>
+    <dgm:txFillClrLst/>
+    <dgm:txEffectClrLst/>
+  </dgm:styleLbl>
+  <dgm:styleLbl name="asst4">
+    <dgm:fillClrLst meth="repeat">
+      <a:schemeClr val="accent1"/>
+    </dgm:fillClrLst>
+    <dgm:linClrLst meth="repeat">
+      <a:schemeClr val="lt1"/>
+    </dgm:linClrLst>
+    <dgm:effectClrLst/>
+    <dgm:txLinClrLst/>
+    <dgm:txFillClrLst/>
+    <dgm:txEffectClrLst/>
+  </dgm:styleLbl>
+  <dgm:styleLbl name="parChTrans2D1">
+    <dgm:fillClrLst meth="repeat">
+      <a:schemeClr val="accent1">
+        <a:tint val="60000"/>
+      </a:schemeClr>
+    </dgm:fillClrLst>
+    <dgm:linClrLst meth="repeat">
+      <a:schemeClr val="accent1">
+        <a:tint val="60000"/>
+      </a:schemeClr>
+    </dgm:linClrLst>
+    <dgm:effectClrLst/>
+    <dgm:txLinClrLst/>
+    <dgm:txFillClrLst meth="repeat">
+      <a:schemeClr val="lt1"/>
+    </dgm:txFillClrLst>
+    <dgm:txEffectClrLst/>
+  </dgm:styleLbl>
+  <dgm:styleLbl name="parChTrans2D2">
+    <dgm:fillClrLst meth="repeat">
+      <a:schemeClr val="accent1"/>
+    </dgm:fillClrLst>
+    <dgm:linClrLst meth="repeat">
+      <a:schemeClr val="accent1"/>
+    </dgm:linClrLst>
+    <dgm:effectClrLst/>
+    <dgm:txLinClrLst/>
+    <dgm:txFillClrLst meth="repeat">
+      <a:schemeClr val="lt1"/>
+    </dgm:txFillClrLst>
+    <dgm:txEffectClrLst/>
+  </dgm:styleLbl>
+  <dgm:styleLbl name="parChTrans2D3">
+    <dgm:fillClrLst meth="repeat">
+      <a:schemeClr val="accent1"/>
+    </dgm:fillClrLst>
+    <dgm:linClrLst meth="repeat">
+      <a:schemeClr val="accent1"/>
+    </dgm:linClrLst>
+    <dgm:effectClrLst/>
+    <dgm:txLinClrLst/>
+    <dgm:txFillClrLst meth="repeat">
+      <a:schemeClr val="lt1"/>
+    </dgm:txFillClrLst>
+    <dgm:txEffectClrLst/>
+  </dgm:styleLbl>
+  <dgm:styleLbl name="parChTrans2D4">
+    <dgm:fillClrLst meth="repeat">
+      <a:schemeClr val="accent1"/>
+    </dgm:fillClrLst>
+    <dgm:linClrLst meth="repeat">
+      <a:schemeClr val="accent1"/>
+    </dgm:linClrLst>
+    <dgm:effectClrLst/>
+    <dgm:txLinClrLst/>
+    <dgm:txFillClrLst meth="repeat">
+      <a:schemeClr val="lt1"/>
+    </dgm:txFillClrLst>
+    <dgm:txEffectClrLst/>
+  </dgm:styleLbl>
+  <dgm:styleLbl name="parChTrans1D1">
+    <dgm:fillClrLst meth="repeat">
+      <a:schemeClr val="accent1"/>
+    </dgm:fillClrLst>
+    <dgm:linClrLst meth="repeat">
+      <a:schemeClr val="accent1">
+        <a:shade val="60000"/>
+      </a:schemeClr>
+    </dgm:linClrLst>
+    <dgm:effectClrLst/>
+    <dgm:txLinClrLst/>
+    <dgm:txFillClrLst meth="repeat">
+      <a:schemeClr val="tx1"/>
+    </dgm:txFillClrLst>
+    <dgm:txEffectClrLst/>
+  </dgm:styleLbl>
+  <dgm:styleLbl name="parChTrans1D2">
+    <dgm:fillClrLst meth="repeat">
+      <a:schemeClr val="accent1"/>
+    </dgm:fillClrLst>
+    <dgm:linClrLst meth="repeat">
+      <a:schemeClr val="accent1">
+        <a:shade val="60000"/>
+      </a:schemeClr>
+    </dgm:linClrLst>
+    <dgm:effectClrLst/>
+    <dgm:txLinClrLst/>
+    <dgm:txFillClrLst meth="repeat">
+      <a:schemeClr val="tx1"/>
+    </dgm:txFillClrLst>
+    <dgm:txEffectClrLst/>
+  </dgm:styleLbl>
+  <dgm:styleLbl name="parChTrans1D3">
+    <dgm:fillClrLst meth="repeat">
+      <a:schemeClr val="accent1"/>
+    </dgm:fillClrLst>
+    <dgm:linClrLst meth="repeat">
+      <a:schemeClr val="accent1">
+        <a:shade val="80000"/>
+      </a:schemeClr>
+    </dgm:linClrLst>
+    <dgm:effectClrLst/>
+    <dgm:txLinClrLst/>
+    <dgm:txFillClrLst meth="repeat">
+      <a:schemeClr val="tx1"/>
+    </dgm:txFillClrLst>
+    <dgm:txEffectClrLst/>
+  </dgm:styleLbl>
+  <dgm:styleLbl name="parChTrans1D4">
+    <dgm:fillClrLst meth="repeat">
+      <a:schemeClr val="accent1"/>
+    </dgm:fillClrLst>
+    <dgm:linClrLst meth="repeat">
+      <a:schemeClr val="accent1">
+        <a:shade val="80000"/>
+      </a:schemeClr>
+    </dgm:linClrLst>
+    <dgm:effectClrLst/>
+    <dgm:txLinClrLst/>
+    <dgm:txFillClrLst meth="repeat">
+      <a:schemeClr val="tx1"/>
+    </dgm:txFillClrLst>
+    <dgm:txEffectClrLst/>
+  </dgm:styleLbl>
+  <dgm:styleLbl name="fgAcc1">
+    <dgm:fillClrLst meth="repeat">
+      <a:schemeClr val="lt1">
+        <a:alpha val="90000"/>
+      </a:schemeClr>
+    </dgm:fillClrLst>
+    <dgm:linClrLst meth="repeat">
+      <a:schemeClr val="accent1"/>
+    </dgm:linClrLst>
+    <dgm:effectClrLst/>
+    <dgm:txLinClrLst/>
+    <dgm:txFillClrLst meth="repeat">
+      <a:schemeClr val="dk1"/>
+    </dgm:txFillClrLst>
+    <dgm:txEffectClrLst/>
+  </dgm:styleLbl>
+  <dgm:styleLbl name="conFgAcc1">
+    <dgm:fillClrLst meth="repeat">
+      <a:schemeClr val="lt1">
+        <a:alpha val="90000"/>
+      </a:schemeClr>
+    </dgm:fillClrLst>
+    <dgm:linClrLst meth="repeat">
+      <a:schemeClr val="accent1"/>
+    </dgm:linClrLst>
+    <dgm:effectClrLst/>
+    <dgm:txLinClrLst/>
+    <dgm:txFillClrLst meth="repeat">
+      <a:schemeClr val="dk1"/>
+    </dgm:txFillClrLst>
+    <dgm:txEffectClrLst/>
+  </dgm:styleLbl>
+  <dgm:styleLbl name="alignAcc1">
+    <dgm:fillClrLst meth="repeat">
+      <a:schemeClr val="lt1">
+        <a:alpha val="90000"/>
+      </a:schemeClr>
+    </dgm:fillClrLst>
+    <dgm:linClrLst meth="repeat">
+      <a:schemeClr val="accent1"/>
+    </dgm:linClrLst>
+    <dgm:effectClrLst/>
+    <dgm:txLinClrLst/>
+    <dgm:txFillClrLst meth="repeat">
+      <a:schemeClr val="dk1"/>
+    </dgm:txFillClrLst>
+    <dgm:txEffectClrLst/>
+  </dgm:styleLbl>
+  <dgm:styleLbl name="trAlignAcc1">
+    <dgm:fillClrLst meth="repeat">
+      <a:schemeClr val="lt1">
+        <a:alpha val="40000"/>
+      </a:schemeClr>
+    </dgm:fillClrLst>
+    <dgm:linClrLst meth="repeat">
+      <a:schemeClr val="accent1"/>
+    </dgm:linClrLst>
+    <dgm:effectClrLst/>
+    <dgm:txLinClrLst/>
+    <dgm:txFillClrLst meth="repeat">
+      <a:schemeClr val="dk1"/>
+    </dgm:txFillClrLst>
+    <dgm:txEffectClrLst/>
+  </dgm:styleLbl>
+  <dgm:styleLbl name="bgAcc1">
+    <dgm:fillClrLst meth="repeat">
+      <a:schemeClr val="lt1">
+        <a:alpha val="90000"/>
+      </a:schemeClr>
+    </dgm:fillClrLst>
+    <dgm:linClrLst meth="repeat">
+      <a:schemeClr val="accent1"/>
+    </dgm:linClrLst>
+    <dgm:effectClrLst/>
+    <dgm:txLinClrLst/>
+    <dgm:txFillClrLst meth="repeat">
+      <a:schemeClr val="dk1"/>
+    </dgm:txFillClrLst>
+    <dgm:txEffectClrLst/>
+  </dgm:styleLbl>
+  <dgm:styleLbl name="solidFgAcc1">
+    <dgm:fillClrLst meth="repeat">
+      <a:schemeClr val="lt1"/>
+    </dgm:fillClrLst>
+    <dgm:linClrLst meth="repeat">
+      <a:schemeClr val="accent1"/>
+    </dgm:linClrLst>
+    <dgm:effectClrLst/>
+    <dgm:txLinClrLst/>
+    <dgm:txFillClrLst meth="repeat">
+      <a:schemeClr val="dk1"/>
+    </dgm:txFillClrLst>
+    <dgm:txEffectClrLst/>
+  </dgm:styleLbl>
+  <dgm:styleLbl name="solidAlignAcc1">
+    <dgm:fillClrLst meth="repeat">
+      <a:schemeClr val="lt1"/>
+    </dgm:fillClrLst>
+    <dgm:linClrLst meth="repeat">
+      <a:schemeClr val="accent1"/>
+    </dgm:linClrLst>
+    <dgm:effectClrLst/>
+    <dgm:txLinClrLst/>
+    <dgm:txFillClrLst meth="repeat">
+      <a:schemeClr val="dk1"/>
+    </dgm:txFillClrLst>
+    <dgm:txEffectClrLst/>
+  </dgm:styleLbl>
+  <dgm:styleLbl name="solidBgAcc1">
+    <dgm:fillClrLst meth="repeat">
+      <a:schemeClr val="lt1"/>
+    </dgm:fillClrLst>
+    <dgm:linClrLst meth="repeat">
+      <a:schemeClr val="accent1"/>
+    </dgm:linClrLst>
+    <dgm:effectClrLst/>
+    <dgm:txLinClrLst/>
+    <dgm:txFillClrLst meth="repeat">
+      <a:schemeClr val="dk1"/>
+    </dgm:txFillClrLst>
+    <dgm:txEffectClrLst/>
+  </dgm:styleLbl>
+  <dgm:styleLbl name="fgAccFollowNode1">
+    <dgm:fillClrLst meth="repeat">
+      <a:schemeClr val="accent1">
+        <a:alpha val="90000"/>
+        <a:tint val="40000"/>
+      </a:schemeClr>
+    </dgm:fillClrLst>
+    <dgm:linClrLst meth="repeat">
+      <a:schemeClr val="accent1">
+        <a:alpha val="90000"/>
+        <a:tint val="40000"/>
+      </a:schemeClr>
+    </dgm:linClrLst>
+    <dgm:effectClrLst/>
+    <dgm:txLinClrLst/>
+    <dgm:txFillClrLst meth="repeat">
+      <a:schemeClr val="dk1"/>
+    </dgm:txFillClrLst>
+    <dgm:txEffectClrLst/>
+  </dgm:styleLbl>
+  <dgm:styleLbl name="alignAccFollowNode1">
+    <dgm:fillClrLst meth="repeat">
+      <a:schemeClr val="accent1">
+        <a:alpha val="90000"/>
+        <a:tint val="40000"/>
+      </a:schemeClr>
+    </dgm:fillClrLst>
+    <dgm:linClrLst meth="repeat">
+      <a:schemeClr val="accent1">
+        <a:alpha val="90000"/>
+        <a:tint val="40000"/>
+      </a:schemeClr>
+    </dgm:linClrLst>
+    <dgm:effectClrLst/>
+    <dgm:txLinClrLst/>
+    <dgm:txFillClrLst meth="repeat">
+      <a:schemeClr val="dk1"/>
+    </dgm:txFillClrLst>
+    <dgm:txEffectClrLst/>
+  </dgm:styleLbl>
+  <dgm:styleLbl name="bgAccFollowNode1">
+    <dgm:fillClrLst meth="repeat">
+      <a:schemeClr val="accent1">
+        <a:alpha val="90000"/>
+        <a:tint val="40000"/>
+      </a:schemeClr>
+    </dgm:fillClrLst>
+    <dgm:linClrLst meth="repeat">
+      <a:schemeClr val="accent1">
+        <a:alpha val="90000"/>
+        <a:tint val="40000"/>
+      </a:schemeClr>
+    </dgm:linClrLst>
+    <dgm:effectClrLst/>
+    <dgm:txLinClrLst/>
+    <dgm:txFillClrLst meth="repeat">
+      <a:schemeClr val="dk1"/>
+    </dgm:txFillClrLst>
+    <dgm:txEffectClrLst/>
+  </dgm:styleLbl>
+  <dgm:styleLbl name="fgAcc0">
+    <dgm:fillClrLst meth="repeat">
+      <a:schemeClr val="lt1">
+        <a:alpha val="90000"/>
+      </a:schemeClr>
+    </dgm:fillClrLst>
+    <dgm:linClrLst meth="repeat">
+      <a:schemeClr val="accent1"/>
+    </dgm:linClrLst>
+    <dgm:effectClrLst/>
+    <dgm:txLinClrLst/>
+    <dgm:txFillClrLst meth="repeat">
+      <a:schemeClr val="dk1"/>
+    </dgm:txFillClrLst>
+    <dgm:txEffectClrLst/>
+  </dgm:styleLbl>
+  <dgm:styleLbl name="fgAcc2">
+    <dgm:fillClrLst meth="repeat">
+      <a:schemeClr val="lt1">
+        <a:alpha val="90000"/>
+      </a:schemeClr>
+    </dgm:fillClrLst>
+    <dgm:linClrLst meth="repeat">
+      <a:schemeClr val="accent1"/>
+    </dgm:linClrLst>
+    <dgm:effectClrLst/>
+    <dgm:txLinClrLst/>
+    <dgm:txFillClrLst meth="repeat">
+      <a:schemeClr val="dk1"/>
+    </dgm:txFillClrLst>
+    <dgm:txEffectClrLst/>
+  </dgm:styleLbl>
+  <dgm:styleLbl name="fgAcc3">
+    <dgm:fillClrLst meth="repeat">
+      <a:schemeClr val="lt1">
+        <a:alpha val="90000"/>
+      </a:schemeClr>
+    </dgm:fillClrLst>
+    <dgm:linClrLst meth="repeat">
+      <a:schemeClr val="accent1"/>
+    </dgm:linClrLst>
+    <dgm:effectClrLst/>
+    <dgm:txLinClrLst/>
+    <dgm:txFillClrLst meth="repeat">
+      <a:schemeClr val="dk1"/>
+    </dgm:txFillClrLst>
+    <dgm:txEffectClrLst/>
+  </dgm:styleLbl>
+  <dgm:styleLbl name="fgAcc4">
+    <dgm:fillClrLst meth="repeat">
+      <a:schemeClr val="lt1">
+        <a:alpha val="90000"/>
+      </a:schemeClr>
+    </dgm:fillClrLst>
+    <dgm:linClrLst meth="repeat">
+      <a:schemeClr val="accent1"/>
+    </dgm:linClrLst>
+    <dgm:effectClrLst/>
+    <dgm:txLinClrLst/>
+    <dgm:txFillClrLst meth="repeat">
+      <a:schemeClr val="dk1"/>
+    </dgm:txFillClrLst>
+    <dgm:txEffectClrLst/>
+  </dgm:styleLbl>
+  <dgm:styleLbl name="bgShp">
+    <dgm:fillClrLst meth="repeat">
+      <a:schemeClr val="accent1">
+        <a:tint val="40000"/>
+      </a:schemeClr>
+    </dgm:fillClrLst>
+    <dgm:linClrLst meth="repeat">
+      <a:schemeClr val="accent1"/>
+    </dgm:linClrLst>
+    <dgm:effectClrLst/>
+    <dgm:txLinClrLst/>
+    <dgm:txFillClrLst meth="repeat">
+      <a:schemeClr val="dk1"/>
+    </dgm:txFillClrLst>
+    <dgm:txEffectClrLst/>
+  </dgm:styleLbl>
+  <dgm:styleLbl name="dkBgShp">
+    <dgm:fillClrLst meth="repeat">
+      <a:schemeClr val="accent1">
+        <a:shade val="80000"/>
+      </a:schemeClr>
+    </dgm:fillClrLst>
+    <dgm:linClrLst meth="repeat">
+      <a:schemeClr val="accent1"/>
+    </dgm:linClrLst>
+    <dgm:effectClrLst/>
+    <dgm:txLinClrLst/>
+    <dgm:txFillClrLst meth="repeat">
+      <a:schemeClr val="lt1"/>
+    </dgm:txFillClrLst>
+    <dgm:txEffectClrLst/>
+  </dgm:styleLbl>
+  <dgm:styleLbl name="trBgShp">
+    <dgm:fillClrLst meth="repeat">
+      <a:schemeClr val="accent1">
+        <a:tint val="50000"/>
+        <a:alpha val="40000"/>
+      </a:schemeClr>
+    </dgm:fillClrLst>
+    <dgm:linClrLst meth="repeat">
+      <a:schemeClr val="accent1"/>
+    </dgm:linClrLst>
+    <dgm:effectClrLst/>
+    <dgm:txLinClrLst/>
+    <dgm:txFillClrLst meth="repeat">
+      <a:schemeClr val="lt1"/>
+    </dgm:txFillClrLst>
+    <dgm:txEffectClrLst/>
+  </dgm:styleLbl>
+  <dgm:styleLbl name="fgShp">
+    <dgm:fillClrLst meth="repeat">
+      <a:schemeClr val="accent1">
+        <a:tint val="60000"/>
+      </a:schemeClr>
+    </dgm:fillClrLst>
+    <dgm:linClrLst meth="repeat">
+      <a:schemeClr val="lt1"/>
+    </dgm:linClrLst>
+    <dgm:effectClrLst/>
+    <dgm:txLinClrLst/>
+    <dgm:txFillClrLst meth="repeat">
+      <a:schemeClr val="dk1"/>
+    </dgm:txFillClrLst>
+    <dgm:txEffectClrLst/>
+  </dgm:styleLbl>
+  <dgm:styleLbl name="revTx">
+    <dgm:fillClrLst meth="repeat">
+      <a:schemeClr val="lt1">
+        <a:alpha val="0"/>
+      </a:schemeClr>
+    </dgm:fillClrLst>
+    <dgm:linClrLst meth="repeat">
+      <a:schemeClr val="dk1">
+        <a:alpha val="0"/>
+      </a:schemeClr>
+    </dgm:linClrLst>
+    <dgm:effectClrLst/>
+    <dgm:txLinClrLst/>
+    <dgm:txFillClrLst meth="repeat">
+      <a:schemeClr val="tx1"/>
+    </dgm:txFillClrLst>
+    <dgm:txEffectClrLst/>
+  </dgm:styleLbl>
+</dgm:colorsDef>
+</file>
+
+<file path=ppt/diagrams/data1.xml><?xml version="1.0" encoding="utf-8"?>
+<dgm:dataModel xmlns:dgm="http://schemas.openxmlformats.org/drawingml/2006/diagram" xmlns:a="http://schemas.openxmlformats.org/drawingml/2006/main">
+  <dgm:ptLst>
+    <dgm:pt modelId="{55D31297-4E21-4491-A363-FEE85E14C2E3}" type="doc">
+      <dgm:prSet loTypeId="urn:microsoft.com/office/officeart/2008/layout/LinedList" loCatId="list" qsTypeId="urn:microsoft.com/office/officeart/2005/8/quickstyle/simple1" qsCatId="simple" csTypeId="urn:microsoft.com/office/officeart/2005/8/colors/accent1_2" csCatId="accent1"/>
+      <dgm:spPr/>
+      <dgm:t>
+        <a:bodyPr/>
+        <a:lstStyle/>
+        <a:p>
+          <a:endParaRPr lang="en-US"/>
+        </a:p>
+      </dgm:t>
+    </dgm:pt>
+    <dgm:pt modelId="{57E4EA69-F608-4646-8A9C-156F6D848F83}">
+      <dgm:prSet/>
+      <dgm:spPr/>
+      <dgm:t>
+        <a:bodyPr/>
+        <a:lstStyle/>
+        <a:p>
+          <a:r>
+            <a:rPr lang="en-US"/>
+            <a:t>User Log In</a:t>
+          </a:r>
+        </a:p>
+      </dgm:t>
+    </dgm:pt>
+    <dgm:pt modelId="{02C2C95B-ABB7-4203-8AFE-E554F1B898BC}" type="parTrans" cxnId="{45351E63-263C-4987-90D6-81890613AB05}">
+      <dgm:prSet/>
+      <dgm:spPr/>
+      <dgm:t>
+        <a:bodyPr/>
+        <a:lstStyle/>
+        <a:p>
+          <a:endParaRPr lang="en-US"/>
+        </a:p>
+      </dgm:t>
+    </dgm:pt>
+    <dgm:pt modelId="{4D21319E-A94A-4C6E-86B8-12E5439092CC}" type="sibTrans" cxnId="{45351E63-263C-4987-90D6-81890613AB05}">
+      <dgm:prSet/>
+      <dgm:spPr/>
+      <dgm:t>
+        <a:bodyPr/>
+        <a:lstStyle/>
+        <a:p>
+          <a:endParaRPr lang="en-US"/>
+        </a:p>
+      </dgm:t>
+    </dgm:pt>
+    <dgm:pt modelId="{6324C0C0-9265-424F-8EDB-DB70A74CFF2A}">
+      <dgm:prSet/>
+      <dgm:spPr/>
+      <dgm:t>
+        <a:bodyPr/>
+        <a:lstStyle/>
+        <a:p>
+          <a:r>
+            <a:rPr lang="en-US"/>
+            <a:t>New Reimbursement Request Submittal</a:t>
+          </a:r>
+        </a:p>
+      </dgm:t>
+    </dgm:pt>
+    <dgm:pt modelId="{7A6CC1BF-665F-42F5-BEBE-F670D79E30C9}" type="parTrans" cxnId="{6F6F67CD-3B91-43D7-81CB-CDB52657C906}">
+      <dgm:prSet/>
+      <dgm:spPr/>
+      <dgm:t>
+        <a:bodyPr/>
+        <a:lstStyle/>
+        <a:p>
+          <a:endParaRPr lang="en-US"/>
+        </a:p>
+      </dgm:t>
+    </dgm:pt>
+    <dgm:pt modelId="{2D73CDAF-0E7A-4F2B-8E1C-EEC83A6457AD}" type="sibTrans" cxnId="{6F6F67CD-3B91-43D7-81CB-CDB52657C906}">
+      <dgm:prSet/>
+      <dgm:spPr/>
+      <dgm:t>
+        <a:bodyPr/>
+        <a:lstStyle/>
+        <a:p>
+          <a:endParaRPr lang="en-US"/>
+        </a:p>
+      </dgm:t>
+    </dgm:pt>
+    <dgm:pt modelId="{608B78B5-837C-4E8A-8080-E7C903DE6A65}">
+      <dgm:prSet/>
+      <dgm:spPr/>
+      <dgm:t>
+        <a:bodyPr/>
+        <a:lstStyle/>
+        <a:p>
+          <a:r>
+            <a:rPr lang="en-US"/>
+            <a:t>Department Head Approval</a:t>
+          </a:r>
+        </a:p>
+      </dgm:t>
+    </dgm:pt>
+    <dgm:pt modelId="{0D83E1DA-8700-4844-8284-651C24DCE1BE}" type="parTrans" cxnId="{F65E628F-2F50-489D-8FFE-54694A5A1097}">
+      <dgm:prSet/>
+      <dgm:spPr/>
+      <dgm:t>
+        <a:bodyPr/>
+        <a:lstStyle/>
+        <a:p>
+          <a:endParaRPr lang="en-US"/>
+        </a:p>
+      </dgm:t>
+    </dgm:pt>
+    <dgm:pt modelId="{F827793A-27FA-47FA-B085-D3198C0F16A4}" type="sibTrans" cxnId="{F65E628F-2F50-489D-8FFE-54694A5A1097}">
+      <dgm:prSet/>
+      <dgm:spPr/>
+      <dgm:t>
+        <a:bodyPr/>
+        <a:lstStyle/>
+        <a:p>
+          <a:endParaRPr lang="en-US"/>
+        </a:p>
+      </dgm:t>
+    </dgm:pt>
+    <dgm:pt modelId="{0F8F2F61-5FDC-488E-B307-40B4DFF62509}">
+      <dgm:prSet/>
+      <dgm:spPr/>
+      <dgm:t>
+        <a:bodyPr/>
+        <a:lstStyle/>
+        <a:p>
+          <a:r>
+            <a:rPr lang="en-US"/>
+            <a:t>Benefits Coordinator Approval</a:t>
+          </a:r>
+        </a:p>
+      </dgm:t>
+    </dgm:pt>
+    <dgm:pt modelId="{8A2CCB64-E11F-48B6-8FA2-ED7C4DD8F70A}" type="parTrans" cxnId="{5DF70CD6-654A-4429-970F-E1AB5C703475}">
+      <dgm:prSet/>
+      <dgm:spPr/>
+      <dgm:t>
+        <a:bodyPr/>
+        <a:lstStyle/>
+        <a:p>
+          <a:endParaRPr lang="en-US"/>
+        </a:p>
+      </dgm:t>
+    </dgm:pt>
+    <dgm:pt modelId="{16626648-F607-4E54-A829-64641B965D61}" type="sibTrans" cxnId="{5DF70CD6-654A-4429-970F-E1AB5C703475}">
+      <dgm:prSet/>
+      <dgm:spPr/>
+      <dgm:t>
+        <a:bodyPr/>
+        <a:lstStyle/>
+        <a:p>
+          <a:endParaRPr lang="en-US"/>
+        </a:p>
+      </dgm:t>
+    </dgm:pt>
+    <dgm:pt modelId="{4EFACBDD-1080-48F6-B5F2-330801839FCA}">
+      <dgm:prSet/>
+      <dgm:spPr/>
+      <dgm:t>
+        <a:bodyPr/>
+        <a:lstStyle/>
+        <a:p>
+          <a:r>
+            <a:rPr lang="en-US"/>
+            <a:t>Reference all Professional Development Resources</a:t>
+          </a:r>
+        </a:p>
+      </dgm:t>
+    </dgm:pt>
+    <dgm:pt modelId="{4A5D7034-19C4-4EB8-9440-CA791DF37D7B}" type="parTrans" cxnId="{8BFDEAAA-C9A9-4939-85CC-63017A221254}">
+      <dgm:prSet/>
+      <dgm:spPr/>
+      <dgm:t>
+        <a:bodyPr/>
+        <a:lstStyle/>
+        <a:p>
+          <a:endParaRPr lang="en-US"/>
+        </a:p>
+      </dgm:t>
+    </dgm:pt>
+    <dgm:pt modelId="{1396EB84-5DDC-440A-BBD8-5BD0DBB3B2D0}" type="sibTrans" cxnId="{8BFDEAAA-C9A9-4939-85CC-63017A221254}">
+      <dgm:prSet/>
+      <dgm:spPr/>
+      <dgm:t>
+        <a:bodyPr/>
+        <a:lstStyle/>
+        <a:p>
+          <a:endParaRPr lang="en-US"/>
+        </a:p>
+      </dgm:t>
+    </dgm:pt>
+    <dgm:pt modelId="{D6CB5AE3-9481-D74B-A2B1-C89C645BC62A}" type="pres">
+      <dgm:prSet presAssocID="{55D31297-4E21-4491-A363-FEE85E14C2E3}" presName="vert0" presStyleCnt="0">
+        <dgm:presLayoutVars>
+          <dgm:dir/>
+          <dgm:animOne val="branch"/>
+          <dgm:animLvl val="lvl"/>
+        </dgm:presLayoutVars>
+      </dgm:prSet>
+      <dgm:spPr/>
+    </dgm:pt>
+    <dgm:pt modelId="{51269A7D-E7BA-1842-B5FC-FED3DA406BEE}" type="pres">
+      <dgm:prSet presAssocID="{57E4EA69-F608-4646-8A9C-156F6D848F83}" presName="thickLine" presStyleLbl="alignNode1" presStyleIdx="0" presStyleCnt="5"/>
+      <dgm:spPr/>
+    </dgm:pt>
+    <dgm:pt modelId="{FAB67982-C811-6742-BF12-1D7C7C6EC5B9}" type="pres">
+      <dgm:prSet presAssocID="{57E4EA69-F608-4646-8A9C-156F6D848F83}" presName="horz1" presStyleCnt="0"/>
+      <dgm:spPr/>
+    </dgm:pt>
+    <dgm:pt modelId="{9B45F148-41AF-AE4A-9915-C3F3F752E992}" type="pres">
+      <dgm:prSet presAssocID="{57E4EA69-F608-4646-8A9C-156F6D848F83}" presName="tx1" presStyleLbl="revTx" presStyleIdx="0" presStyleCnt="5"/>
+      <dgm:spPr/>
+    </dgm:pt>
+    <dgm:pt modelId="{4F35FDE3-7386-BE4C-83A1-C9A0450E432B}" type="pres">
+      <dgm:prSet presAssocID="{57E4EA69-F608-4646-8A9C-156F6D848F83}" presName="vert1" presStyleCnt="0"/>
+      <dgm:spPr/>
+    </dgm:pt>
+    <dgm:pt modelId="{36E8B613-E5FF-7448-8AB4-86D58ECE857F}" type="pres">
+      <dgm:prSet presAssocID="{6324C0C0-9265-424F-8EDB-DB70A74CFF2A}" presName="thickLine" presStyleLbl="alignNode1" presStyleIdx="1" presStyleCnt="5"/>
+      <dgm:spPr/>
+    </dgm:pt>
+    <dgm:pt modelId="{BC0A782F-BAFD-584D-9EE7-3E5EB28B9A55}" type="pres">
+      <dgm:prSet presAssocID="{6324C0C0-9265-424F-8EDB-DB70A74CFF2A}" presName="horz1" presStyleCnt="0"/>
+      <dgm:spPr/>
+    </dgm:pt>
+    <dgm:pt modelId="{36613430-A06D-644F-9079-1FB33BB688E7}" type="pres">
+      <dgm:prSet presAssocID="{6324C0C0-9265-424F-8EDB-DB70A74CFF2A}" presName="tx1" presStyleLbl="revTx" presStyleIdx="1" presStyleCnt="5"/>
+      <dgm:spPr/>
+    </dgm:pt>
+    <dgm:pt modelId="{3D82E21F-F5D1-984E-8432-2059C65ED158}" type="pres">
+      <dgm:prSet presAssocID="{6324C0C0-9265-424F-8EDB-DB70A74CFF2A}" presName="vert1" presStyleCnt="0"/>
+      <dgm:spPr/>
+    </dgm:pt>
+    <dgm:pt modelId="{086495D3-0E39-FC4A-B680-CF3890FC0ADB}" type="pres">
+      <dgm:prSet presAssocID="{608B78B5-837C-4E8A-8080-E7C903DE6A65}" presName="thickLine" presStyleLbl="alignNode1" presStyleIdx="2" presStyleCnt="5"/>
+      <dgm:spPr/>
+    </dgm:pt>
+    <dgm:pt modelId="{59E18908-1BA4-9A4F-A6A9-38713561BB0F}" type="pres">
+      <dgm:prSet presAssocID="{608B78B5-837C-4E8A-8080-E7C903DE6A65}" presName="horz1" presStyleCnt="0"/>
+      <dgm:spPr/>
+    </dgm:pt>
+    <dgm:pt modelId="{3F9C2CF2-0422-6F4D-B000-9E2A84B6E7BB}" type="pres">
+      <dgm:prSet presAssocID="{608B78B5-837C-4E8A-8080-E7C903DE6A65}" presName="tx1" presStyleLbl="revTx" presStyleIdx="2" presStyleCnt="5"/>
+      <dgm:spPr/>
+    </dgm:pt>
+    <dgm:pt modelId="{93E9A6C0-45E8-364A-8529-C697C4E95948}" type="pres">
+      <dgm:prSet presAssocID="{608B78B5-837C-4E8A-8080-E7C903DE6A65}" presName="vert1" presStyleCnt="0"/>
+      <dgm:spPr/>
+    </dgm:pt>
+    <dgm:pt modelId="{45779651-64B4-C442-82F4-78080F1AA3DA}" type="pres">
+      <dgm:prSet presAssocID="{0F8F2F61-5FDC-488E-B307-40B4DFF62509}" presName="thickLine" presStyleLbl="alignNode1" presStyleIdx="3" presStyleCnt="5"/>
+      <dgm:spPr/>
+    </dgm:pt>
+    <dgm:pt modelId="{FE952A02-F606-D941-A47C-E39C6815FC17}" type="pres">
+      <dgm:prSet presAssocID="{0F8F2F61-5FDC-488E-B307-40B4DFF62509}" presName="horz1" presStyleCnt="0"/>
+      <dgm:spPr/>
+    </dgm:pt>
+    <dgm:pt modelId="{CA6EFD0C-6CF8-7245-B634-8356DAD420F2}" type="pres">
+      <dgm:prSet presAssocID="{0F8F2F61-5FDC-488E-B307-40B4DFF62509}" presName="tx1" presStyleLbl="revTx" presStyleIdx="3" presStyleCnt="5"/>
+      <dgm:spPr/>
+    </dgm:pt>
+    <dgm:pt modelId="{4EE2C7AF-9F50-7545-8A6A-F1C784322D60}" type="pres">
+      <dgm:prSet presAssocID="{0F8F2F61-5FDC-488E-B307-40B4DFF62509}" presName="vert1" presStyleCnt="0"/>
+      <dgm:spPr/>
+    </dgm:pt>
+    <dgm:pt modelId="{234CA29D-E67D-B14F-AD07-B07B2BA37BDE}" type="pres">
+      <dgm:prSet presAssocID="{4EFACBDD-1080-48F6-B5F2-330801839FCA}" presName="thickLine" presStyleLbl="alignNode1" presStyleIdx="4" presStyleCnt="5"/>
+      <dgm:spPr/>
+    </dgm:pt>
+    <dgm:pt modelId="{00D07090-C43D-E145-A475-5952A7A1A3BC}" type="pres">
+      <dgm:prSet presAssocID="{4EFACBDD-1080-48F6-B5F2-330801839FCA}" presName="horz1" presStyleCnt="0"/>
+      <dgm:spPr/>
+    </dgm:pt>
+    <dgm:pt modelId="{CB561FB0-8A73-FE4B-A273-BEFC80B6A5E1}" type="pres">
+      <dgm:prSet presAssocID="{4EFACBDD-1080-48F6-B5F2-330801839FCA}" presName="tx1" presStyleLbl="revTx" presStyleIdx="4" presStyleCnt="5"/>
+      <dgm:spPr/>
+    </dgm:pt>
+    <dgm:pt modelId="{BFAAFA76-3674-C945-91C2-34FAF5288D67}" type="pres">
+      <dgm:prSet presAssocID="{4EFACBDD-1080-48F6-B5F2-330801839FCA}" presName="vert1" presStyleCnt="0"/>
+      <dgm:spPr/>
+    </dgm:pt>
+  </dgm:ptLst>
+  <dgm:cxnLst>
+    <dgm:cxn modelId="{4F81C404-0D96-5B49-B610-54BEC570F885}" type="presOf" srcId="{0F8F2F61-5FDC-488E-B307-40B4DFF62509}" destId="{CA6EFD0C-6CF8-7245-B634-8356DAD420F2}" srcOrd="0" destOrd="0" presId="urn:microsoft.com/office/officeart/2008/layout/LinedList"/>
+    <dgm:cxn modelId="{894A8C3C-0D11-3449-9087-C2CFF2E42AE9}" type="presOf" srcId="{608B78B5-837C-4E8A-8080-E7C903DE6A65}" destId="{3F9C2CF2-0422-6F4D-B000-9E2A84B6E7BB}" srcOrd="0" destOrd="0" presId="urn:microsoft.com/office/officeart/2008/layout/LinedList"/>
+    <dgm:cxn modelId="{791DA342-FDAC-B945-95A9-F909BC3A87E8}" type="presOf" srcId="{57E4EA69-F608-4646-8A9C-156F6D848F83}" destId="{9B45F148-41AF-AE4A-9915-C3F3F752E992}" srcOrd="0" destOrd="0" presId="urn:microsoft.com/office/officeart/2008/layout/LinedList"/>
+    <dgm:cxn modelId="{2F49FB4F-BE06-844B-AE35-6067EB804DE4}" type="presOf" srcId="{6324C0C0-9265-424F-8EDB-DB70A74CFF2A}" destId="{36613430-A06D-644F-9079-1FB33BB688E7}" srcOrd="0" destOrd="0" presId="urn:microsoft.com/office/officeart/2008/layout/LinedList"/>
+    <dgm:cxn modelId="{45351E63-263C-4987-90D6-81890613AB05}" srcId="{55D31297-4E21-4491-A363-FEE85E14C2E3}" destId="{57E4EA69-F608-4646-8A9C-156F6D848F83}" srcOrd="0" destOrd="0" parTransId="{02C2C95B-ABB7-4203-8AFE-E554F1B898BC}" sibTransId="{4D21319E-A94A-4C6E-86B8-12E5439092CC}"/>
+    <dgm:cxn modelId="{E54FDD7F-CA84-2049-86DE-3B38D4F4689F}" type="presOf" srcId="{55D31297-4E21-4491-A363-FEE85E14C2E3}" destId="{D6CB5AE3-9481-D74B-A2B1-C89C645BC62A}" srcOrd="0" destOrd="0" presId="urn:microsoft.com/office/officeart/2008/layout/LinedList"/>
+    <dgm:cxn modelId="{F65E628F-2F50-489D-8FFE-54694A5A1097}" srcId="{55D31297-4E21-4491-A363-FEE85E14C2E3}" destId="{608B78B5-837C-4E8A-8080-E7C903DE6A65}" srcOrd="2" destOrd="0" parTransId="{0D83E1DA-8700-4844-8284-651C24DCE1BE}" sibTransId="{F827793A-27FA-47FA-B085-D3198C0F16A4}"/>
+    <dgm:cxn modelId="{8BFDEAAA-C9A9-4939-85CC-63017A221254}" srcId="{55D31297-4E21-4491-A363-FEE85E14C2E3}" destId="{4EFACBDD-1080-48F6-B5F2-330801839FCA}" srcOrd="4" destOrd="0" parTransId="{4A5D7034-19C4-4EB8-9440-CA791DF37D7B}" sibTransId="{1396EB84-5DDC-440A-BBD8-5BD0DBB3B2D0}"/>
+    <dgm:cxn modelId="{6F6F67CD-3B91-43D7-81CB-CDB52657C906}" srcId="{55D31297-4E21-4491-A363-FEE85E14C2E3}" destId="{6324C0C0-9265-424F-8EDB-DB70A74CFF2A}" srcOrd="1" destOrd="0" parTransId="{7A6CC1BF-665F-42F5-BEBE-F670D79E30C9}" sibTransId="{2D73CDAF-0E7A-4F2B-8E1C-EEC83A6457AD}"/>
+    <dgm:cxn modelId="{5DF70CD6-654A-4429-970F-E1AB5C703475}" srcId="{55D31297-4E21-4491-A363-FEE85E14C2E3}" destId="{0F8F2F61-5FDC-488E-B307-40B4DFF62509}" srcOrd="3" destOrd="0" parTransId="{8A2CCB64-E11F-48B6-8FA2-ED7C4DD8F70A}" sibTransId="{16626648-F607-4E54-A829-64641B965D61}"/>
+    <dgm:cxn modelId="{A0770FFF-050C-F94B-947C-8D01FE88EC17}" type="presOf" srcId="{4EFACBDD-1080-48F6-B5F2-330801839FCA}" destId="{CB561FB0-8A73-FE4B-A273-BEFC80B6A5E1}" srcOrd="0" destOrd="0" presId="urn:microsoft.com/office/officeart/2008/layout/LinedList"/>
+    <dgm:cxn modelId="{10C55B02-4B8C-7842-80A3-307C6F540AAF}" type="presParOf" srcId="{D6CB5AE3-9481-D74B-A2B1-C89C645BC62A}" destId="{51269A7D-E7BA-1842-B5FC-FED3DA406BEE}" srcOrd="0" destOrd="0" presId="urn:microsoft.com/office/officeart/2008/layout/LinedList"/>
+    <dgm:cxn modelId="{8D333283-F5A7-464E-8B9E-2DA6A2AEC49A}" type="presParOf" srcId="{D6CB5AE3-9481-D74B-A2B1-C89C645BC62A}" destId="{FAB67982-C811-6742-BF12-1D7C7C6EC5B9}" srcOrd="1" destOrd="0" presId="urn:microsoft.com/office/officeart/2008/layout/LinedList"/>
+    <dgm:cxn modelId="{2414AB56-15F3-9844-A860-0FEC0134A24C}" type="presParOf" srcId="{FAB67982-C811-6742-BF12-1D7C7C6EC5B9}" destId="{9B45F148-41AF-AE4A-9915-C3F3F752E992}" srcOrd="0" destOrd="0" presId="urn:microsoft.com/office/officeart/2008/layout/LinedList"/>
+    <dgm:cxn modelId="{47638AC6-BD28-0247-A6E4-99E6ABD6253F}" type="presParOf" srcId="{FAB67982-C811-6742-BF12-1D7C7C6EC5B9}" destId="{4F35FDE3-7386-BE4C-83A1-C9A0450E432B}" srcOrd="1" destOrd="0" presId="urn:microsoft.com/office/officeart/2008/layout/LinedList"/>
+    <dgm:cxn modelId="{C819CCF5-EB20-DF41-A327-57B011353C8A}" type="presParOf" srcId="{D6CB5AE3-9481-D74B-A2B1-C89C645BC62A}" destId="{36E8B613-E5FF-7448-8AB4-86D58ECE857F}" srcOrd="2" destOrd="0" presId="urn:microsoft.com/office/officeart/2008/layout/LinedList"/>
+    <dgm:cxn modelId="{843E7F88-BD86-1242-AB24-971B771A4E00}" type="presParOf" srcId="{D6CB5AE3-9481-D74B-A2B1-C89C645BC62A}" destId="{BC0A782F-BAFD-584D-9EE7-3E5EB28B9A55}" srcOrd="3" destOrd="0" presId="urn:microsoft.com/office/officeart/2008/layout/LinedList"/>
+    <dgm:cxn modelId="{E97AFEA2-308D-5641-A7AB-CE6F54B131EE}" type="presParOf" srcId="{BC0A782F-BAFD-584D-9EE7-3E5EB28B9A55}" destId="{36613430-A06D-644F-9079-1FB33BB688E7}" srcOrd="0" destOrd="0" presId="urn:microsoft.com/office/officeart/2008/layout/LinedList"/>
+    <dgm:cxn modelId="{34942882-CC22-0A47-9CD9-D3A2E74E8F88}" type="presParOf" srcId="{BC0A782F-BAFD-584D-9EE7-3E5EB28B9A55}" destId="{3D82E21F-F5D1-984E-8432-2059C65ED158}" srcOrd="1" destOrd="0" presId="urn:microsoft.com/office/officeart/2008/layout/LinedList"/>
+    <dgm:cxn modelId="{03467B1B-1C96-2E4B-A6B6-B0429861FDBB}" type="presParOf" srcId="{D6CB5AE3-9481-D74B-A2B1-C89C645BC62A}" destId="{086495D3-0E39-FC4A-B680-CF3890FC0ADB}" srcOrd="4" destOrd="0" presId="urn:microsoft.com/office/officeart/2008/layout/LinedList"/>
+    <dgm:cxn modelId="{BD6E0C3F-7876-D846-9B38-74878FD4CCA5}" type="presParOf" srcId="{D6CB5AE3-9481-D74B-A2B1-C89C645BC62A}" destId="{59E18908-1BA4-9A4F-A6A9-38713561BB0F}" srcOrd="5" destOrd="0" presId="urn:microsoft.com/office/officeart/2008/layout/LinedList"/>
+    <dgm:cxn modelId="{6FF9EEF0-BBB9-8F45-972F-361027DDA7B0}" type="presParOf" srcId="{59E18908-1BA4-9A4F-A6A9-38713561BB0F}" destId="{3F9C2CF2-0422-6F4D-B000-9E2A84B6E7BB}" srcOrd="0" destOrd="0" presId="urn:microsoft.com/office/officeart/2008/layout/LinedList"/>
+    <dgm:cxn modelId="{C6AB1C49-778C-204D-A089-CED1C3CEB5F3}" type="presParOf" srcId="{59E18908-1BA4-9A4F-A6A9-38713561BB0F}" destId="{93E9A6C0-45E8-364A-8529-C697C4E95948}" srcOrd="1" destOrd="0" presId="urn:microsoft.com/office/officeart/2008/layout/LinedList"/>
+    <dgm:cxn modelId="{C38FEEA9-A881-5542-BC44-A0B8EC4A5CC5}" type="presParOf" srcId="{D6CB5AE3-9481-D74B-A2B1-C89C645BC62A}" destId="{45779651-64B4-C442-82F4-78080F1AA3DA}" srcOrd="6" destOrd="0" presId="urn:microsoft.com/office/officeart/2008/layout/LinedList"/>
+    <dgm:cxn modelId="{4049E67A-37F5-C049-A32B-7645B22EBA11}" type="presParOf" srcId="{D6CB5AE3-9481-D74B-A2B1-C89C645BC62A}" destId="{FE952A02-F606-D941-A47C-E39C6815FC17}" srcOrd="7" destOrd="0" presId="urn:microsoft.com/office/officeart/2008/layout/LinedList"/>
+    <dgm:cxn modelId="{5381F8A2-7275-9940-B0C0-B17BF73905CE}" type="presParOf" srcId="{FE952A02-F606-D941-A47C-E39C6815FC17}" destId="{CA6EFD0C-6CF8-7245-B634-8356DAD420F2}" srcOrd="0" destOrd="0" presId="urn:microsoft.com/office/officeart/2008/layout/LinedList"/>
+    <dgm:cxn modelId="{C4A9CA9E-53E8-1C49-B6CA-1D27E1CC346E}" type="presParOf" srcId="{FE952A02-F606-D941-A47C-E39C6815FC17}" destId="{4EE2C7AF-9F50-7545-8A6A-F1C784322D60}" srcOrd="1" destOrd="0" presId="urn:microsoft.com/office/officeart/2008/layout/LinedList"/>
+    <dgm:cxn modelId="{A466FE6E-F7EB-F34E-B541-668D9D3D4439}" type="presParOf" srcId="{D6CB5AE3-9481-D74B-A2B1-C89C645BC62A}" destId="{234CA29D-E67D-B14F-AD07-B07B2BA37BDE}" srcOrd="8" destOrd="0" presId="urn:microsoft.com/office/officeart/2008/layout/LinedList"/>
+    <dgm:cxn modelId="{0581372F-31B7-184D-8E8E-6679B06074D7}" type="presParOf" srcId="{D6CB5AE3-9481-D74B-A2B1-C89C645BC62A}" destId="{00D07090-C43D-E145-A475-5952A7A1A3BC}" srcOrd="9" destOrd="0" presId="urn:microsoft.com/office/officeart/2008/layout/LinedList"/>
+    <dgm:cxn modelId="{E2BF2637-42B0-7C45-96D8-9350895682C4}" type="presParOf" srcId="{00D07090-C43D-E145-A475-5952A7A1A3BC}" destId="{CB561FB0-8A73-FE4B-A273-BEFC80B6A5E1}" srcOrd="0" destOrd="0" presId="urn:microsoft.com/office/officeart/2008/layout/LinedList"/>
+    <dgm:cxn modelId="{831C217B-A2CD-8E4B-949D-97FB3DCD9A25}" type="presParOf" srcId="{00D07090-C43D-E145-A475-5952A7A1A3BC}" destId="{BFAAFA76-3674-C945-91C2-34FAF5288D67}" srcOrd="1" destOrd="0" presId="urn:microsoft.com/office/officeart/2008/layout/LinedList"/>
+  </dgm:cxnLst>
+  <dgm:bg/>
+  <dgm:whole/>
+  <dgm:extLst>
+    <a:ext uri="http://schemas.microsoft.com/office/drawing/2008/diagram">
+      <dsp:dataModelExt xmlns:dsp="http://schemas.microsoft.com/office/drawing/2008/diagram" relId="rId6" minVer="http://schemas.openxmlformats.org/drawingml/2006/diagram"/>
+    </a:ext>
+  </dgm:extLst>
+</dgm:dataModel>
+</file>
+
+<file path=ppt/diagrams/drawing1.xml><?xml version="1.0" encoding="utf-8"?>
+<dsp:drawing xmlns:dgm="http://schemas.openxmlformats.org/drawingml/2006/diagram" xmlns:dsp="http://schemas.microsoft.com/office/drawing/2008/diagram" xmlns:a="http://schemas.openxmlformats.org/drawingml/2006/main">
+  <dsp:spTree>
+    <dsp:nvGrpSpPr>
+      <dsp:cNvPr id="0" name=""/>
+      <dsp:cNvGrpSpPr/>
+    </dsp:nvGrpSpPr>
+    <dsp:grpSpPr/>
+    <dsp:sp modelId="{51269A7D-E7BA-1842-B5FC-FED3DA406BEE}">
+      <dsp:nvSpPr>
+        <dsp:cNvPr id="0" name=""/>
+        <dsp:cNvSpPr/>
+      </dsp:nvSpPr>
+      <dsp:spPr>
+        <a:xfrm>
+          <a:off x="0" y="640"/>
+          <a:ext cx="6281873" cy="0"/>
+        </a:xfrm>
+        <a:prstGeom prst="line">
+          <a:avLst/>
+        </a:prstGeom>
+        <a:solidFill>
+          <a:schemeClr val="accent1">
+            <a:hueOff val="0"/>
+            <a:satOff val="0"/>
+            <a:lumOff val="0"/>
+            <a:alphaOff val="0"/>
+          </a:schemeClr>
+        </a:solidFill>
+        <a:ln w="15875" cap="flat" cmpd="sng" algn="ctr">
+          <a:solidFill>
+            <a:schemeClr val="accent1">
+              <a:hueOff val="0"/>
+              <a:satOff val="0"/>
+              <a:lumOff val="0"/>
+              <a:alphaOff val="0"/>
+            </a:schemeClr>
+          </a:solidFill>
+          <a:prstDash val="solid"/>
+        </a:ln>
+        <a:effectLst/>
+      </dsp:spPr>
+      <dsp:style>
+        <a:lnRef idx="2">
+          <a:scrgbClr r="0" g="0" b="0"/>
+        </a:lnRef>
+        <a:fillRef idx="1">
+          <a:scrgbClr r="0" g="0" b="0"/>
+        </a:fillRef>
+        <a:effectRef idx="0">
+          <a:scrgbClr r="0" g="0" b="0"/>
+        </a:effectRef>
+        <a:fontRef idx="minor">
+          <a:schemeClr val="lt1"/>
+        </a:fontRef>
+      </dsp:style>
+    </dsp:sp>
+    <dsp:sp modelId="{9B45F148-41AF-AE4A-9915-C3F3F752E992}">
+      <dsp:nvSpPr>
+        <dsp:cNvPr id="0" name=""/>
+        <dsp:cNvSpPr/>
+      </dsp:nvSpPr>
+      <dsp:spPr>
+        <a:xfrm>
+          <a:off x="0" y="640"/>
+          <a:ext cx="6281873" cy="1049468"/>
+        </a:xfrm>
+        <a:prstGeom prst="rect">
+          <a:avLst/>
+        </a:prstGeom>
+        <a:noFill/>
+        <a:ln>
+          <a:noFill/>
+        </a:ln>
+        <a:effectLst/>
+      </dsp:spPr>
+      <dsp:style>
+        <a:lnRef idx="0">
+          <a:scrgbClr r="0" g="0" b="0"/>
+        </a:lnRef>
+        <a:fillRef idx="0">
+          <a:scrgbClr r="0" g="0" b="0"/>
+        </a:fillRef>
+        <a:effectRef idx="0">
+          <a:scrgbClr r="0" g="0" b="0"/>
+        </a:effectRef>
+        <a:fontRef idx="minor"/>
+      </dsp:style>
+      <dsp:txBody>
+        <a:bodyPr spcFirstLastPara="0" vert="horz" wrap="square" lIns="114300" tIns="114300" rIns="114300" bIns="114300" numCol="1" spcCol="1270" anchor="t" anchorCtr="0">
+          <a:noAutofit/>
+        </a:bodyPr>
+        <a:lstStyle/>
+        <a:p>
+          <a:pPr marL="0" lvl="0" indent="0" algn="l" defTabSz="1333500">
+            <a:lnSpc>
+              <a:spcPct val="90000"/>
+            </a:lnSpc>
+            <a:spcBef>
+              <a:spcPct val="0"/>
+            </a:spcBef>
+            <a:spcAft>
+              <a:spcPct val="35000"/>
+            </a:spcAft>
+            <a:buNone/>
+          </a:pPr>
+          <a:r>
+            <a:rPr lang="en-US" sz="3000" kern="1200"/>
+            <a:t>User Log In</a:t>
+          </a:r>
+        </a:p>
+      </dsp:txBody>
+      <dsp:txXfrm>
+        <a:off x="0" y="640"/>
+        <a:ext cx="6281873" cy="1049468"/>
+      </dsp:txXfrm>
+    </dsp:sp>
+    <dsp:sp modelId="{36E8B613-E5FF-7448-8AB4-86D58ECE857F}">
+      <dsp:nvSpPr>
+        <dsp:cNvPr id="0" name=""/>
+        <dsp:cNvSpPr/>
+      </dsp:nvSpPr>
+      <dsp:spPr>
+        <a:xfrm>
+          <a:off x="0" y="1050108"/>
+          <a:ext cx="6281873" cy="0"/>
+        </a:xfrm>
+        <a:prstGeom prst="line">
+          <a:avLst/>
+        </a:prstGeom>
+        <a:solidFill>
+          <a:schemeClr val="accent1">
+            <a:hueOff val="0"/>
+            <a:satOff val="0"/>
+            <a:lumOff val="0"/>
+            <a:alphaOff val="0"/>
+          </a:schemeClr>
+        </a:solidFill>
+        <a:ln w="15875" cap="flat" cmpd="sng" algn="ctr">
+          <a:solidFill>
+            <a:schemeClr val="accent1">
+              <a:hueOff val="0"/>
+              <a:satOff val="0"/>
+              <a:lumOff val="0"/>
+              <a:alphaOff val="0"/>
+            </a:schemeClr>
+          </a:solidFill>
+          <a:prstDash val="solid"/>
+        </a:ln>
+        <a:effectLst/>
+      </dsp:spPr>
+      <dsp:style>
+        <a:lnRef idx="2">
+          <a:scrgbClr r="0" g="0" b="0"/>
+        </a:lnRef>
+        <a:fillRef idx="1">
+          <a:scrgbClr r="0" g="0" b="0"/>
+        </a:fillRef>
+        <a:effectRef idx="0">
+          <a:scrgbClr r="0" g="0" b="0"/>
+        </a:effectRef>
+        <a:fontRef idx="minor">
+          <a:schemeClr val="lt1"/>
+        </a:fontRef>
+      </dsp:style>
+    </dsp:sp>
+    <dsp:sp modelId="{36613430-A06D-644F-9079-1FB33BB688E7}">
+      <dsp:nvSpPr>
+        <dsp:cNvPr id="0" name=""/>
+        <dsp:cNvSpPr/>
+      </dsp:nvSpPr>
+      <dsp:spPr>
+        <a:xfrm>
+          <a:off x="0" y="1050108"/>
+          <a:ext cx="6281873" cy="1049468"/>
+        </a:xfrm>
+        <a:prstGeom prst="rect">
+          <a:avLst/>
+        </a:prstGeom>
+        <a:noFill/>
+        <a:ln>
+          <a:noFill/>
+        </a:ln>
+        <a:effectLst/>
+      </dsp:spPr>
+      <dsp:style>
+        <a:lnRef idx="0">
+          <a:scrgbClr r="0" g="0" b="0"/>
+        </a:lnRef>
+        <a:fillRef idx="0">
+          <a:scrgbClr r="0" g="0" b="0"/>
+        </a:fillRef>
+        <a:effectRef idx="0">
+          <a:scrgbClr r="0" g="0" b="0"/>
+        </a:effectRef>
+        <a:fontRef idx="minor"/>
+      </dsp:style>
+      <dsp:txBody>
+        <a:bodyPr spcFirstLastPara="0" vert="horz" wrap="square" lIns="114300" tIns="114300" rIns="114300" bIns="114300" numCol="1" spcCol="1270" anchor="t" anchorCtr="0">
+          <a:noAutofit/>
+        </a:bodyPr>
+        <a:lstStyle/>
+        <a:p>
+          <a:pPr marL="0" lvl="0" indent="0" algn="l" defTabSz="1333500">
+            <a:lnSpc>
+              <a:spcPct val="90000"/>
+            </a:lnSpc>
+            <a:spcBef>
+              <a:spcPct val="0"/>
+            </a:spcBef>
+            <a:spcAft>
+              <a:spcPct val="35000"/>
+            </a:spcAft>
+            <a:buNone/>
+          </a:pPr>
+          <a:r>
+            <a:rPr lang="en-US" sz="3000" kern="1200"/>
+            <a:t>New Reimbursement Request Submittal</a:t>
+          </a:r>
+        </a:p>
+      </dsp:txBody>
+      <dsp:txXfrm>
+        <a:off x="0" y="1050108"/>
+        <a:ext cx="6281873" cy="1049468"/>
+      </dsp:txXfrm>
+    </dsp:sp>
+    <dsp:sp modelId="{086495D3-0E39-FC4A-B680-CF3890FC0ADB}">
+      <dsp:nvSpPr>
+        <dsp:cNvPr id="0" name=""/>
+        <dsp:cNvSpPr/>
+      </dsp:nvSpPr>
+      <dsp:spPr>
+        <a:xfrm>
+          <a:off x="0" y="2099576"/>
+          <a:ext cx="6281873" cy="0"/>
+        </a:xfrm>
+        <a:prstGeom prst="line">
+          <a:avLst/>
+        </a:prstGeom>
+        <a:solidFill>
+          <a:schemeClr val="accent1">
+            <a:hueOff val="0"/>
+            <a:satOff val="0"/>
+            <a:lumOff val="0"/>
+            <a:alphaOff val="0"/>
+          </a:schemeClr>
+        </a:solidFill>
+        <a:ln w="15875" cap="flat" cmpd="sng" algn="ctr">
+          <a:solidFill>
+            <a:schemeClr val="accent1">
+              <a:hueOff val="0"/>
+              <a:satOff val="0"/>
+              <a:lumOff val="0"/>
+              <a:alphaOff val="0"/>
+            </a:schemeClr>
+          </a:solidFill>
+          <a:prstDash val="solid"/>
+        </a:ln>
+        <a:effectLst/>
+      </dsp:spPr>
+      <dsp:style>
+        <a:lnRef idx="2">
+          <a:scrgbClr r="0" g="0" b="0"/>
+        </a:lnRef>
+        <a:fillRef idx="1">
+          <a:scrgbClr r="0" g="0" b="0"/>
+        </a:fillRef>
+        <a:effectRef idx="0">
+          <a:scrgbClr r="0" g="0" b="0"/>
+        </a:effectRef>
+        <a:fontRef idx="minor">
+          <a:schemeClr val="lt1"/>
+        </a:fontRef>
+      </dsp:style>
+    </dsp:sp>
+    <dsp:sp modelId="{3F9C2CF2-0422-6F4D-B000-9E2A84B6E7BB}">
+      <dsp:nvSpPr>
+        <dsp:cNvPr id="0" name=""/>
+        <dsp:cNvSpPr/>
+      </dsp:nvSpPr>
+      <dsp:spPr>
+        <a:xfrm>
+          <a:off x="0" y="2099576"/>
+          <a:ext cx="6281873" cy="1049468"/>
+        </a:xfrm>
+        <a:prstGeom prst="rect">
+          <a:avLst/>
+        </a:prstGeom>
+        <a:noFill/>
+        <a:ln>
+          <a:noFill/>
+        </a:ln>
+        <a:effectLst/>
+      </dsp:spPr>
+      <dsp:style>
+        <a:lnRef idx="0">
+          <a:scrgbClr r="0" g="0" b="0"/>
+        </a:lnRef>
+        <a:fillRef idx="0">
+          <a:scrgbClr r="0" g="0" b="0"/>
+        </a:fillRef>
+        <a:effectRef idx="0">
+          <a:scrgbClr r="0" g="0" b="0"/>
+        </a:effectRef>
+        <a:fontRef idx="minor"/>
+      </dsp:style>
+      <dsp:txBody>
+        <a:bodyPr spcFirstLastPara="0" vert="horz" wrap="square" lIns="114300" tIns="114300" rIns="114300" bIns="114300" numCol="1" spcCol="1270" anchor="t" anchorCtr="0">
+          <a:noAutofit/>
+        </a:bodyPr>
+        <a:lstStyle/>
+        <a:p>
+          <a:pPr marL="0" lvl="0" indent="0" algn="l" defTabSz="1333500">
+            <a:lnSpc>
+              <a:spcPct val="90000"/>
+            </a:lnSpc>
+            <a:spcBef>
+              <a:spcPct val="0"/>
+            </a:spcBef>
+            <a:spcAft>
+              <a:spcPct val="35000"/>
+            </a:spcAft>
+            <a:buNone/>
+          </a:pPr>
+          <a:r>
+            <a:rPr lang="en-US" sz="3000" kern="1200"/>
+            <a:t>Department Head Approval</a:t>
+          </a:r>
+        </a:p>
+      </dsp:txBody>
+      <dsp:txXfrm>
+        <a:off x="0" y="2099576"/>
+        <a:ext cx="6281873" cy="1049468"/>
+      </dsp:txXfrm>
+    </dsp:sp>
+    <dsp:sp modelId="{45779651-64B4-C442-82F4-78080F1AA3DA}">
+      <dsp:nvSpPr>
+        <dsp:cNvPr id="0" name=""/>
+        <dsp:cNvSpPr/>
+      </dsp:nvSpPr>
+      <dsp:spPr>
+        <a:xfrm>
+          <a:off x="0" y="3149045"/>
+          <a:ext cx="6281873" cy="0"/>
+        </a:xfrm>
+        <a:prstGeom prst="line">
+          <a:avLst/>
+        </a:prstGeom>
+        <a:solidFill>
+          <a:schemeClr val="accent1">
+            <a:hueOff val="0"/>
+            <a:satOff val="0"/>
+            <a:lumOff val="0"/>
+            <a:alphaOff val="0"/>
+          </a:schemeClr>
+        </a:solidFill>
+        <a:ln w="15875" cap="flat" cmpd="sng" algn="ctr">
+          <a:solidFill>
+            <a:schemeClr val="accent1">
+              <a:hueOff val="0"/>
+              <a:satOff val="0"/>
+              <a:lumOff val="0"/>
+              <a:alphaOff val="0"/>
+            </a:schemeClr>
+          </a:solidFill>
+          <a:prstDash val="solid"/>
+        </a:ln>
+        <a:effectLst/>
+      </dsp:spPr>
+      <dsp:style>
+        <a:lnRef idx="2">
+          <a:scrgbClr r="0" g="0" b="0"/>
+        </a:lnRef>
+        <a:fillRef idx="1">
+          <a:scrgbClr r="0" g="0" b="0"/>
+        </a:fillRef>
+        <a:effectRef idx="0">
+          <a:scrgbClr r="0" g="0" b="0"/>
+        </a:effectRef>
+        <a:fontRef idx="minor">
+          <a:schemeClr val="lt1"/>
+        </a:fontRef>
+      </dsp:style>
+    </dsp:sp>
+    <dsp:sp modelId="{CA6EFD0C-6CF8-7245-B634-8356DAD420F2}">
+      <dsp:nvSpPr>
+        <dsp:cNvPr id="0" name=""/>
+        <dsp:cNvSpPr/>
+      </dsp:nvSpPr>
+      <dsp:spPr>
+        <a:xfrm>
+          <a:off x="0" y="3149045"/>
+          <a:ext cx="6281873" cy="1049468"/>
+        </a:xfrm>
+        <a:prstGeom prst="rect">
+          <a:avLst/>
+        </a:prstGeom>
+        <a:noFill/>
+        <a:ln>
+          <a:noFill/>
+        </a:ln>
+        <a:effectLst/>
+      </dsp:spPr>
+      <dsp:style>
+        <a:lnRef idx="0">
+          <a:scrgbClr r="0" g="0" b="0"/>
+        </a:lnRef>
+        <a:fillRef idx="0">
+          <a:scrgbClr r="0" g="0" b="0"/>
+        </a:fillRef>
+        <a:effectRef idx="0">
+          <a:scrgbClr r="0" g="0" b="0"/>
+        </a:effectRef>
+        <a:fontRef idx="minor"/>
+      </dsp:style>
+      <dsp:txBody>
+        <a:bodyPr spcFirstLastPara="0" vert="horz" wrap="square" lIns="114300" tIns="114300" rIns="114300" bIns="114300" numCol="1" spcCol="1270" anchor="t" anchorCtr="0">
+          <a:noAutofit/>
+        </a:bodyPr>
+        <a:lstStyle/>
+        <a:p>
+          <a:pPr marL="0" lvl="0" indent="0" algn="l" defTabSz="1333500">
+            <a:lnSpc>
+              <a:spcPct val="90000"/>
+            </a:lnSpc>
+            <a:spcBef>
+              <a:spcPct val="0"/>
+            </a:spcBef>
+            <a:spcAft>
+              <a:spcPct val="35000"/>
+            </a:spcAft>
+            <a:buNone/>
+          </a:pPr>
+          <a:r>
+            <a:rPr lang="en-US" sz="3000" kern="1200"/>
+            <a:t>Benefits Coordinator Approval</a:t>
+          </a:r>
+        </a:p>
+      </dsp:txBody>
+      <dsp:txXfrm>
+        <a:off x="0" y="3149045"/>
+        <a:ext cx="6281873" cy="1049468"/>
+      </dsp:txXfrm>
+    </dsp:sp>
+    <dsp:sp modelId="{234CA29D-E67D-B14F-AD07-B07B2BA37BDE}">
+      <dsp:nvSpPr>
+        <dsp:cNvPr id="0" name=""/>
+        <dsp:cNvSpPr/>
+      </dsp:nvSpPr>
+      <dsp:spPr>
+        <a:xfrm>
+          <a:off x="0" y="4198513"/>
+          <a:ext cx="6281873" cy="0"/>
+        </a:xfrm>
+        <a:prstGeom prst="line">
+          <a:avLst/>
+        </a:prstGeom>
+        <a:solidFill>
+          <a:schemeClr val="accent1">
+            <a:hueOff val="0"/>
+            <a:satOff val="0"/>
+            <a:lumOff val="0"/>
+            <a:alphaOff val="0"/>
+          </a:schemeClr>
+        </a:solidFill>
+        <a:ln w="15875" cap="flat" cmpd="sng" algn="ctr">
+          <a:solidFill>
+            <a:schemeClr val="accent1">
+              <a:hueOff val="0"/>
+              <a:satOff val="0"/>
+              <a:lumOff val="0"/>
+              <a:alphaOff val="0"/>
+            </a:schemeClr>
+          </a:solidFill>
+          <a:prstDash val="solid"/>
+        </a:ln>
+        <a:effectLst/>
+      </dsp:spPr>
+      <dsp:style>
+        <a:lnRef idx="2">
+          <a:scrgbClr r="0" g="0" b="0"/>
+        </a:lnRef>
+        <a:fillRef idx="1">
+          <a:scrgbClr r="0" g="0" b="0"/>
+        </a:fillRef>
+        <a:effectRef idx="0">
+          <a:scrgbClr r="0" g="0" b="0"/>
+        </a:effectRef>
+        <a:fontRef idx="minor">
+          <a:schemeClr val="lt1"/>
+        </a:fontRef>
+      </dsp:style>
+    </dsp:sp>
+    <dsp:sp modelId="{CB561FB0-8A73-FE4B-A273-BEFC80B6A5E1}">
+      <dsp:nvSpPr>
+        <dsp:cNvPr id="0" name=""/>
+        <dsp:cNvSpPr/>
+      </dsp:nvSpPr>
+      <dsp:spPr>
+        <a:xfrm>
+          <a:off x="0" y="4198513"/>
+          <a:ext cx="6281873" cy="1049468"/>
+        </a:xfrm>
+        <a:prstGeom prst="rect">
+          <a:avLst/>
+        </a:prstGeom>
+        <a:noFill/>
+        <a:ln>
+          <a:noFill/>
+        </a:ln>
+        <a:effectLst/>
+      </dsp:spPr>
+      <dsp:style>
+        <a:lnRef idx="0">
+          <a:scrgbClr r="0" g="0" b="0"/>
+        </a:lnRef>
+        <a:fillRef idx="0">
+          <a:scrgbClr r="0" g="0" b="0"/>
+        </a:fillRef>
+        <a:effectRef idx="0">
+          <a:scrgbClr r="0" g="0" b="0"/>
+        </a:effectRef>
+        <a:fontRef idx="minor"/>
+      </dsp:style>
+      <dsp:txBody>
+        <a:bodyPr spcFirstLastPara="0" vert="horz" wrap="square" lIns="114300" tIns="114300" rIns="114300" bIns="114300" numCol="1" spcCol="1270" anchor="t" anchorCtr="0">
+          <a:noAutofit/>
+        </a:bodyPr>
+        <a:lstStyle/>
+        <a:p>
+          <a:pPr marL="0" lvl="0" indent="0" algn="l" defTabSz="1333500">
+            <a:lnSpc>
+              <a:spcPct val="90000"/>
+            </a:lnSpc>
+            <a:spcBef>
+              <a:spcPct val="0"/>
+            </a:spcBef>
+            <a:spcAft>
+              <a:spcPct val="35000"/>
+            </a:spcAft>
+            <a:buNone/>
+          </a:pPr>
+          <a:r>
+            <a:rPr lang="en-US" sz="3000" kern="1200"/>
+            <a:t>Reference all Professional Development Resources</a:t>
+          </a:r>
+        </a:p>
+      </dsp:txBody>
+      <dsp:txXfrm>
+        <a:off x="0" y="4198513"/>
+        <a:ext cx="6281873" cy="1049468"/>
+      </dsp:txXfrm>
+    </dsp:sp>
+  </dsp:spTree>
+</dsp:drawing>
+</file>
+
+<file path=ppt/diagrams/layout1.xml><?xml version="1.0" encoding="utf-8"?>
+<dgm:layoutDef xmlns:dgm="http://schemas.openxmlformats.org/drawingml/2006/diagram" xmlns:a="http://schemas.openxmlformats.org/drawingml/2006/main" uniqueId="urn:microsoft.com/office/officeart/2008/layout/LinedList">
+  <dgm:title val=""/>
+  <dgm:desc val=""/>
+  <dgm:catLst>
+    <dgm:cat type="hierarchy" pri="8000"/>
+    <dgm:cat type="list" pri="2500"/>
+  </dgm:catLst>
+  <dgm:sampData>
+    <dgm:dataModel>
+      <dgm:ptLst>
+        <dgm:pt modelId="0" type="doc"/>
+        <dgm:pt modelId="1">
+          <dgm:prSet phldr="1"/>
+        </dgm:pt>
+        <dgm:pt modelId="11">
+          <dgm:prSet phldr="1"/>
+        </dgm:pt>
+        <dgm:pt modelId="12">
+          <dgm:prSet phldr="1"/>
+        </dgm:pt>
+        <dgm:pt modelId="13">
+          <dgm:prSet phldr="1"/>
+        </dgm:pt>
+      </dgm:ptLst>
+      <dgm:cxnLst>
+        <dgm:cxn modelId="2" srcId="0" destId="1" srcOrd="0" destOrd="0"/>
+        <dgm:cxn modelId="3" srcId="1" destId="11" srcOrd="0" destOrd="0"/>
+        <dgm:cxn modelId="4" srcId="1" destId="12" srcOrd="1" destOrd="0"/>
+        <dgm:cxn modelId="5" srcId="1" destId="13" srcOrd="2" destOrd="0"/>
+      </dgm:cxnLst>
+      <dgm:bg/>
+      <dgm:whole/>
+    </dgm:dataModel>
+  </dgm:sampData>
+  <dgm:styleData>
+    <dgm:dataModel>
+      <dgm:ptLst>
+        <dgm:pt modelId="0" type="doc"/>
+        <dgm:pt modelId="1">
+          <dgm:prSet phldr="1"/>
+        </dgm:pt>
+        <dgm:pt modelId="11">
+          <dgm:prSet phldr="1"/>
+        </dgm:pt>
+        <dgm:pt modelId="12">
+          <dgm:prSet phldr="1"/>
+        </dgm:pt>
+      </dgm:ptLst>
+      <dgm:cxnLst>
+        <dgm:cxn modelId="2" srcId="0" destId="1" srcOrd="0" destOrd="0"/>
+        <dgm:cxn modelId="3" srcId="1" destId="11" srcOrd="0" destOrd="0"/>
+        <dgm:cxn modelId="4" srcId="1" destId="12" srcOrd="1" destOrd="0"/>
+      </dgm:cxnLst>
+      <dgm:bg/>
+      <dgm:whole/>
+    </dgm:dataModel>
+  </dgm:styleData>
+  <dgm:clrData>
+    <dgm:dataModel>
+      <dgm:ptLst>
+        <dgm:pt modelId="0" type="doc"/>
+        <dgm:pt modelId="1">
+          <dgm:prSet phldr="1"/>
+        </dgm:pt>
+        <dgm:pt modelId="11">
+          <dgm:prSet phldr="1"/>
+        </dgm:pt>
+        <dgm:pt modelId="12">
+          <dgm:prSet phldr="1"/>
+        </dgm:pt>
+      </dgm:ptLst>
+      <dgm:cxnLst>
+        <dgm:cxn modelId="2" srcId="0" destId="1" srcOrd="0" destOrd="0"/>
+        <dgm:cxn modelId="3" srcId="1" destId="11" srcOrd="0" destOrd="0"/>
+        <dgm:cxn modelId="4" srcId="1" destId="12" srcOrd="1" destOrd="0"/>
+      </dgm:cxnLst>
+      <dgm:bg/>
+      <dgm:whole/>
+    </dgm:dataModel>
+  </dgm:clrData>
+  <dgm:layoutNode name="vert0">
+    <dgm:varLst>
+      <dgm:dir/>
+      <dgm:animOne val="branch"/>
+      <dgm:animLvl val="lvl"/>
+    </dgm:varLst>
+    <dgm:choose name="Name0">
+      <dgm:if name="Name1" func="var" arg="dir" op="equ" val="norm">
+        <dgm:alg type="lin">
+          <dgm:param type="linDir" val="fromT"/>
+          <dgm:param type="nodeHorzAlign" val="l"/>
+        </dgm:alg>
+      </dgm:if>
+      <dgm:else name="Name2">
+        <dgm:alg type="lin">
+          <dgm:param type="linDir" val="fromT"/>
+          <dgm:param type="nodeHorzAlign" val="r"/>
+        </dgm:alg>
+      </dgm:else>
+    </dgm:choose>
+    <dgm:shape xmlns:r="http://schemas.openxmlformats.org/officeDocument/2006/relationships" r:blip="">
+      <dgm:adjLst/>
+    </dgm:shape>
+    <dgm:presOf/>
+    <dgm:constrLst>
+      <dgm:constr type="w" for="ch" forName="horz1" refType="w"/>
+      <dgm:constr type="h" for="ch" forName="horz1" refType="h"/>
+      <dgm:constr type="h" for="des" forName="vert1" refType="h"/>
+      <dgm:constr type="h" for="des" forName="tx1" refType="h"/>
+      <dgm:constr type="h" for="des" forName="horz2" refType="h"/>
+      <dgm:constr type="h" for="des" forName="vert2" refType="h"/>
+      <dgm:constr type="h" for="des" forName="horz3" refType="h"/>
+      <dgm:constr type="h" for="des" forName="vert3" refType="h"/>
+      <dgm:constr type="h" for="des" forName="horz4" refType="h"/>
+      <dgm:constr type="h" for="des" ptType="node" refType="h"/>
+      <dgm:constr type="primFontSz" for="des" forName="tx1" op="equ" val="65"/>
+      <dgm:constr type="primFontSz" for="des" forName="tx2" op="equ" val="65"/>
+      <dgm:constr type="primFontSz" for="des" forName="tx3" op="equ" val="65"/>
+      <dgm:constr type="primFontSz" for="des" forName="tx4" op="equ" val="65"/>
+      <dgm:constr type="w" for="des" forName="thickLine" refType="w"/>
+      <dgm:constr type="h" for="des" forName="thickLine"/>
+      <dgm:constr type="h" for="des" forName="thinLine1"/>
+      <dgm:constr type="h" for="des" forName="thinLine2b"/>
+      <dgm:constr type="h" for="des" forName="thinLine3"/>
+      <dgm:constr type="h" for="des" forName="vertSpace2a" refType="h" fact="0.05"/>
+      <dgm:constr type="h" for="des" forName="vertSpace2b" refType="h" refFor="des" refForName="vertSpace2a"/>
+    </dgm:constrLst>
+    <dgm:forEach name="Name3" axis="ch" ptType="node">
+      <dgm:layoutNode name="thickLine" styleLbl="alignNode1">
+        <dgm:alg type="sp"/>
+        <dgm:shape xmlns:r="http://schemas.openxmlformats.org/officeDocument/2006/relationships" type="line" r:blip="">
+          <dgm:adjLst/>
+        </dgm:shape>
+        <dgm:presOf/>
+      </dgm:layoutNode>
+      <dgm:layoutNode name="horz1">
+        <dgm:choose name="Name4">
+          <dgm:if name="Name5" func="var" arg="dir" op="equ" val="norm">
+            <dgm:alg type="lin">
+              <dgm:param type="linDir" val="fromL"/>
+              <dgm:param type="nodeVertAlign" val="t"/>
+            </dgm:alg>
+          </dgm:if>
+          <dgm:else name="Name6">
+            <dgm:alg type="lin">
+              <dgm:param type="linDir" val="fromR"/>
+              <dgm:param type="nodeVertAlign" val="t"/>
+            </dgm:alg>
+          </dgm:else>
+        </dgm:choose>
+        <dgm:shape xmlns:r="http://schemas.openxmlformats.org/officeDocument/2006/relationships" r:blip="">
+          <dgm:adjLst/>
+        </dgm:shape>
+        <dgm:presOf/>
+        <dgm:choose name="Name7">
+          <dgm:if name="Name8" axis="root des" func="maxDepth" op="equ" val="1">
+            <dgm:constrLst>
+              <dgm:constr type="w" for="ch" forName="tx1" refType="w"/>
+            </dgm:constrLst>
+          </dgm:if>
+          <dgm:if name="Name9" axis="root des" func="maxDepth" op="equ" val="2">
+            <dgm:constrLst>
+              <dgm:constr type="w" for="ch" forName="tx1" refType="w" fact="0.2"/>
+              <dgm:constr type="w" for="des" forName="tx2" refType="w" fact="0.785"/>
+              <dgm:constr type="w" for="des" forName="horzSpace2" refType="w" fact="0.015"/>
+              <dgm:constr type="w" for="des" forName="thinLine2b" refType="w" fact="0.8"/>
+            </dgm:constrLst>
+          </dgm:if>
+          <dgm:if name="Name10" axis="root des" func="maxDepth" op="equ" val="3">
+            <dgm:constrLst>
+              <dgm:constr type="w" for="ch" forName="tx1" refType="w" fact="0.2"/>
+              <dgm:constr type="w" for="des" forName="tx2" refType="w" fact="0.385"/>
+              <dgm:constr type="w" for="des" forName="tx3" refType="w" fact="0.385"/>
+              <dgm:constr type="w" for="des" forName="horzSpace2" refType="w" fact="0.015"/>
+              <dgm:constr type="w" for="des" forName="horzSpace3" refType="w" fact="0.015"/>
+              <dgm:constr type="w" for="des" forName="thinLine2b" refType="w" fact="0.8"/>
+              <dgm:constr type="w" for="des" forName="thinLine3" refType="w" fact="0.385"/>
+            </dgm:constrLst>
+          </dgm:if>
+          <dgm:if name="Name11" axis="root des" func="maxDepth" op="gte" val="4">
+            <dgm:constrLst>
+              <dgm:constr type="w" for="ch" forName="tx1" refType="w" fact="0.2"/>
+              <dgm:constr type="w" for="des" forName="tx2" refType="w" fact="0.2516"/>
+              <dgm:constr type="w" for="des" forName="tx3" refType="w" fact="0.2516"/>
+              <dgm:constr type="w" for="des" forName="tx4" refType="w" fact="0.2516"/>
+              <dgm:constr type="w" for="des" forName="horzSpace2" refType="w" fact="0.015"/>
+              <dgm:constr type="w" for="des" forName="horzSpace3" refType="w" fact="0.015"/>
+              <dgm:constr type="w" for="des" forName="horzSpace4" refType="w" fact="0.015"/>
+              <dgm:constr type="w" for="des" forName="thinLine2b" refType="w" fact="0.8"/>
+              <dgm:constr type="w" for="des" forName="thinLine3" refType="w" fact="0.5332"/>
+            </dgm:constrLst>
+          </dgm:if>
+          <dgm:else name="Name12"/>
+        </dgm:choose>
+        <dgm:layoutNode name="tx1" styleLbl="revTx">
+          <dgm:alg type="tx">
+            <dgm:param type="parTxLTRAlign" val="l"/>
+            <dgm:param type="parTxRTLAlign" val="r"/>
+            <dgm:param type="txAnchorVert" val="t"/>
+          </dgm:alg>
+          <dgm:shape xmlns:r="http://schemas.openxmlformats.org/officeDocument/2006/relationships" type="rect" r:blip="">
+            <dgm:adjLst/>
+          </dgm:shape>
+          <dgm:presOf axis="self"/>
+          <dgm:constrLst>
+            <dgm:constr type="tMarg" refType="primFontSz" fact="0.3"/>
+            <dgm:constr type="bMarg" refType="primFontSz" fact="0.3"/>
+            <dgm:constr type="lMarg" refType="primFontSz" fact="0.3"/>
+            <dgm:constr type="rMarg" refType="primFontSz" fact="0.3"/>
+          </dgm:constrLst>
+          <dgm:ruleLst>
+            <dgm:rule type="primFontSz" val="5" fact="NaN" max="NaN"/>
+          </dgm:ruleLst>
+        </dgm:layoutNode>
+        <dgm:layoutNode name="vert1">
+          <dgm:choose name="Name13">
+            <dgm:if name="Name14" func="var" arg="dir" op="equ" val="norm">
+              <dgm:alg type="lin">
+                <dgm:param type="linDir" val="fromT"/>
+                <dgm:param type="nodeHorzAlign" val="l"/>
+              </dgm:alg>
+            </dgm:if>
+            <dgm:else name="Name15">
+              <dgm:alg type="lin">
+                <dgm:param type="linDir" val="fromT"/>
+                <dgm:param type="nodeHorzAlign" val="r"/>
+              </dgm:alg>
+            </dgm:else>
+          </dgm:choose>
+          <dgm:shape xmlns:r="http://schemas.openxmlformats.org/officeDocument/2006/relationships" r:blip="">
+            <dgm:adjLst/>
+          </dgm:shape>
+          <dgm:presOf/>
+          <dgm:forEach name="Name16" axis="ch" ptType="node">
+            <dgm:choose name="Name17">
+              <dgm:if name="Name18" axis="self" ptType="node" func="pos" op="equ" val="1">
+                <dgm:layoutNode name="vertSpace2a">
+                  <dgm:alg type="sp"/>
+                  <dgm:shape xmlns:r="http://schemas.openxmlformats.org/officeDocument/2006/relationships" r:blip="">
+                    <dgm:adjLst/>
+                  </dgm:shape>
+                  <dgm:presOf/>
+                </dgm:layoutNode>
+              </dgm:if>
+              <dgm:else name="Name19"/>
+            </dgm:choose>
+            <dgm:layoutNode name="horz2">
+              <dgm:choose name="Name20">
+                <dgm:if name="Name21" func="var" arg="dir" op="equ" val="norm">
+                  <dgm:alg type="lin">
+                    <dgm:param type="linDir" val="fromL"/>
+                    <dgm:param type="nodeVertAlign" val="t"/>
+                  </dgm:alg>
+                </dgm:if>
+                <dgm:else name="Name22">
+                  <dgm:alg type="lin">
+                    <dgm:param type="linDir" val="fromR"/>
+                    <dgm:param type="nodeVertAlign" val="t"/>
+                  </dgm:alg>
+                </dgm:else>
+              </dgm:choose>
+              <dgm:shape xmlns:r="http://schemas.openxmlformats.org/officeDocument/2006/relationships" r:blip="">
+                <dgm:adjLst/>
+              </dgm:shape>
+              <dgm:presOf/>
+              <dgm:layoutNode name="horzSpace2">
+                <dgm:alg type="sp"/>
+                <dgm:shape xmlns:r="http://schemas.openxmlformats.org/officeDocument/2006/relationships" r:blip="">
+                  <dgm:adjLst/>
+                </dgm:shape>
+                <dgm:presOf/>
+              </dgm:layoutNode>
+              <dgm:layoutNode name="tx2" styleLbl="revTx">
+                <dgm:alg type="tx">
+                  <dgm:param type="parTxLTRAlign" val="l"/>
+                  <dgm:param type="parTxRTLAlign" val="r"/>
+                  <dgm:param type="txAnchorVert" val="t"/>
+                </dgm:alg>
+                <dgm:shape xmlns:r="http://schemas.openxmlformats.org/officeDocument/2006/relationships" type="rect" r:blip="">
+                  <dgm:adjLst/>
+                </dgm:shape>
+                <dgm:presOf axis="self"/>
+                <dgm:constrLst>
+                  <dgm:constr type="tMarg" refType="primFontSz" fact="0.3"/>
+                  <dgm:constr type="bMarg" refType="primFontSz" fact="0.3"/>
+                  <dgm:constr type="lMarg" refType="primFontSz" fact="0.3"/>
+                  <dgm:constr type="rMarg" refType="primFontSz" fact="0.3"/>
+                </dgm:constrLst>
+                <dgm:ruleLst>
+                  <dgm:rule type="primFontSz" val="5" fact="NaN" max="NaN"/>
+                </dgm:ruleLst>
+              </dgm:layoutNode>
+              <dgm:layoutNode name="vert2">
+                <dgm:choose name="Name23">
+                  <dgm:if name="Name24" func="var" arg="dir" op="equ" val="norm">
+                    <dgm:alg type="lin">
+                      <dgm:param type="linDir" val="fromT"/>
+                      <dgm:param type="nodeHorzAlign" val="l"/>
+                    </dgm:alg>
+                  </dgm:if>
+                  <dgm:else name="Name25">
+                    <dgm:alg type="lin">
+                      <dgm:param type="linDir" val="fromT"/>
+                      <dgm:param type="nodeHorzAlign" val="r"/>
+                    </dgm:alg>
+                  </dgm:else>
+                </dgm:choose>
+                <dgm:shape xmlns:r="http://schemas.openxmlformats.org/officeDocument/2006/relationships" r:blip="">
+                  <dgm:adjLst/>
+                </dgm:shape>
+                <dgm:presOf/>
+                <dgm:forEach name="Name26" axis="ch" ptType="node">
+                  <dgm:layoutNode name="horz3">
+                    <dgm:choose name="Name27">
+                      <dgm:if name="Name28" func="var" arg="dir" op="equ" val="norm">
+                        <dgm:alg type="lin">
+                          <dgm:param type="linDir" val="fromL"/>
+                          <dgm:param type="nodeVertAlign" val="t"/>
+                        </dgm:alg>
+                      </dgm:if>
+                      <dgm:else name="Name29">
+                        <dgm:alg type="lin">
+                          <dgm:param type="linDir" val="fromR"/>
+                          <dgm:param type="nodeVertAlign" val="t"/>
+                        </dgm:alg>
+                      </dgm:else>
+                    </dgm:choose>
+                    <dgm:shape xmlns:r="http://schemas.openxmlformats.org/officeDocument/2006/relationships" r:blip="">
+                      <dgm:adjLst/>
+                    </dgm:shape>
+                    <dgm:presOf/>
+                    <dgm:layoutNode name="horzSpace3">
+                      <dgm:alg type="sp"/>
+                      <dgm:shape xmlns:r="http://schemas.openxmlformats.org/officeDocument/2006/relationships" r:blip="">
+                        <dgm:adjLst/>
+                      </dgm:shape>
+                      <dgm:presOf/>
+                    </dgm:layoutNode>
+                    <dgm:layoutNode name="tx3" styleLbl="revTx">
+                      <dgm:alg type="tx">
+                        <dgm:param type="parTxLTRAlign" val="l"/>
+                        <dgm:param type="parTxRTLAlign" val="r"/>
+                        <dgm:param type="txAnchorVert" val="t"/>
+                      </dgm:alg>
+                      <dgm:shape xmlns:r="http://schemas.openxmlformats.org/officeDocument/2006/relationships" type="rect" r:blip="">
+                        <dgm:adjLst/>
+                      </dgm:shape>
+                      <dgm:presOf axis="self"/>
+                      <dgm:constrLst>
+                        <dgm:constr type="tMarg" refType="primFontSz" fact="0.3"/>
+                        <dgm:constr type="bMarg" refType="primFontSz" fact="0.3"/>
+                        <dgm:constr type="lMarg" refType="primFontSz" fact="0.3"/>
+                        <dgm:constr type="rMarg" refType="primFontSz" fact="0.3"/>
+                      </dgm:constrLst>
+                      <dgm:ruleLst>
+                        <dgm:rule type="primFontSz" val="5" fact="NaN" max="NaN"/>
+                      </dgm:ruleLst>
+                    </dgm:layoutNode>
+                    <dgm:layoutNode name="vert3">
+                      <dgm:choose name="Name30">
+                        <dgm:if name="Name31" func="var" arg="dir" op="equ" val="norm">
+                          <dgm:alg type="lin">
+                            <dgm:param type="linDir" val="fromT"/>
+                            <dgm:param type="nodeHorzAlign" val="l"/>
+                          </dgm:alg>
+                        </dgm:if>
+                        <dgm:else name="Name32">
+                          <dgm:alg type="lin">
+                            <dgm:param type="linDir" val="fromT"/>
+                            <dgm:param type="nodeHorzAlign" val="r"/>
+                          </dgm:alg>
+                        </dgm:else>
+                      </dgm:choose>
+                      <dgm:shape xmlns:r="http://schemas.openxmlformats.org/officeDocument/2006/relationships" r:blip="">
+                        <dgm:adjLst/>
+                      </dgm:shape>
+                      <dgm:presOf/>
+                      <dgm:forEach name="Name33" axis="ch" ptType="node">
+                        <dgm:layoutNode name="horz4">
+                          <dgm:choose name="Name34">
+                            <dgm:if name="Name35" func="var" arg="dir" op="equ" val="norm">
+                              <dgm:alg type="lin">
+                                <dgm:param type="linDir" val="fromL"/>
+                                <dgm:param type="nodeVertAlign" val="t"/>
+                              </dgm:alg>
+                            </dgm:if>
+                            <dgm:else name="Name36">
+                              <dgm:alg type="lin">
+                                <dgm:param type="linDir" val="fromR"/>
+                                <dgm:param type="nodeVertAlign" val="t"/>
+                              </dgm:alg>
+                            </dgm:else>
+                          </dgm:choose>
+                          <dgm:shape xmlns:r="http://schemas.openxmlformats.org/officeDocument/2006/relationships" r:blip="">
+                            <dgm:adjLst/>
+                          </dgm:shape>
+                          <dgm:presOf/>
+                          <dgm:layoutNode name="horzSpace4">
+                            <dgm:alg type="sp"/>
+                            <dgm:shape xmlns:r="http://schemas.openxmlformats.org/officeDocument/2006/relationships" r:blip="">
+                              <dgm:adjLst/>
+                            </dgm:shape>
+                            <dgm:presOf/>
+                          </dgm:layoutNode>
+                          <dgm:layoutNode name="tx4" styleLbl="revTx">
+                            <dgm:varLst>
+                              <dgm:bulletEnabled val="1"/>
+                            </dgm:varLst>
+                            <dgm:alg type="tx">
+                              <dgm:param type="parTxLTRAlign" val="l"/>
+                              <dgm:param type="parTxRTLAlign" val="r"/>
+                              <dgm:param type="txAnchorVert" val="t"/>
+                            </dgm:alg>
+                            <dgm:shape xmlns:r="http://schemas.openxmlformats.org/officeDocument/2006/relationships" type="rect" r:blip="">
+                              <dgm:adjLst/>
+                            </dgm:shape>
+                            <dgm:presOf axis="desOrSelf" ptType="node"/>
+                            <dgm:constrLst>
+                              <dgm:constr type="tMarg" refType="primFontSz" fact="0.3"/>
+                              <dgm:constr type="bMarg" refType="primFontSz" fact="0.3"/>
+                              <dgm:constr type="lMarg" refType="primFontSz" fact="0.3"/>
+                              <dgm:constr type="rMarg" refType="primFontSz" fact="0.3"/>
+                            </dgm:constrLst>
+                            <dgm:ruleLst>
+                              <dgm:rule type="primFontSz" val="5" fact="NaN" max="NaN"/>
+                            </dgm:ruleLst>
+                          </dgm:layoutNode>
+                        </dgm:layoutNode>
+                      </dgm:forEach>
+                    </dgm:layoutNode>
+                  </dgm:layoutNode>
+                  <dgm:forEach name="Name37" axis="followSib" ptType="sibTrans" cnt="1">
+                    <dgm:layoutNode name="thinLine3" styleLbl="callout">
+                      <dgm:alg type="sp"/>
+                      <dgm:shape xmlns:r="http://schemas.openxmlformats.org/officeDocument/2006/relationships" type="line" r:blip="">
+                        <dgm:adjLst/>
+                      </dgm:shape>
+                      <dgm:presOf/>
+                    </dgm:layoutNode>
+                  </dgm:forEach>
+                </dgm:forEach>
+              </dgm:layoutNode>
+            </dgm:layoutNode>
+            <dgm:layoutNode name="thinLine2b" styleLbl="callout">
+              <dgm:alg type="sp"/>
+              <dgm:shape xmlns:r="http://schemas.openxmlformats.org/officeDocument/2006/relationships" type="line" r:blip="">
+                <dgm:adjLst/>
+              </dgm:shape>
+              <dgm:presOf/>
+            </dgm:layoutNode>
+            <dgm:layoutNode name="vertSpace2b">
+              <dgm:alg type="sp"/>
+              <dgm:shape xmlns:r="http://schemas.openxmlformats.org/officeDocument/2006/relationships" r:blip="">
+                <dgm:adjLst/>
+              </dgm:shape>
+              <dgm:presOf/>
+            </dgm:layoutNode>
+          </dgm:forEach>
+        </dgm:layoutNode>
+      </dgm:layoutNode>
+    </dgm:forEach>
+  </dgm:layoutNode>
+</dgm:layoutDef>
+</file>
+
+<file path=ppt/diagrams/quickStyle1.xml><?xml version="1.0" encoding="utf-8"?>
+<dgm:styleDef xmlns:dgm="http://schemas.openxmlformats.org/drawingml/2006/diagram" xmlns:a="http://schemas.openxmlformats.org/drawingml/2006/main" uniqueId="urn:microsoft.com/office/officeart/2005/8/quickstyle/simple1">
+  <dgm:title val=""/>
+  <dgm:desc val=""/>
+  <dgm:catLst>
+    <dgm:cat type="simple" pri="10100"/>
+  </dgm:catLst>
+  <dgm:scene3d>
+    <a:camera prst="orthographicFront"/>
+    <a:lightRig rig="threePt" dir="t"/>
+  </dgm:scene3d>
+  <dgm:styleLbl name="node0">
+    <dgm:scene3d>
+      <a:camera prst="orthographicFront"/>
+      <a:lightRig rig="threePt" dir="t"/>
+    </dgm:scene3d>
+    <dgm:sp3d/>
+    <dgm:txPr/>
+    <dgm:style>
+      <a:lnRef idx="2">
+        <a:scrgbClr r="0" g="0" b="0"/>
+      </a:lnRef>
+      <a:fillRef idx="1">
+        <a:scrgbClr r="0" g="0" b="0"/>
+      </a:fillRef>
+      <a:effectRef idx="0">
+        <a:scrgbClr r="0" g="0" b="0"/>
+      </a:effectRef>
+      <a:fontRef idx="minor">
+        <a:schemeClr val="lt1"/>
+      </a:fontRef>
+    </dgm:style>
+  </dgm:styleLbl>
+  <dgm:styleLbl name="lnNode1">
+    <dgm:scene3d>
+      <a:camera prst="orthographicFront"/>
+      <a:lightRig rig="threePt" dir="t"/>
+    </dgm:scene3d>
+    <dgm:sp3d/>
+    <dgm:txPr/>
+    <dgm:style>
+      <a:lnRef idx="2">
+        <a:scrgbClr r="0" g="0" b="0"/>
+      </a:lnRef>
+      <a:fillRef idx="1">
+        <a:scrgbClr r="0" g="0" b="0"/>
+      </a:fillRef>
+      <a:effectRef idx="0">
+        <a:scrgbClr r="0" g="0" b="0"/>
+      </a:effectRef>
+      <a:fontRef idx="minor">
+        <a:schemeClr val="lt1"/>
+      </a:fontRef>
+    </dgm:style>
+  </dgm:styleLbl>
+  <dgm:styleLbl name="vennNode1">
+    <dgm:scene3d>
+      <a:camera prst="orthographicFront"/>
+      <a:lightRig rig="threePt" dir="t"/>
+    </dgm:scene3d>
+    <dgm:sp3d/>
+    <dgm:txPr/>
+    <dgm:style>
+      <a:lnRef idx="2">
+        <a:scrgbClr r="0" g="0" b="0"/>
+      </a:lnRef>
+      <a:fillRef idx="1">
+        <a:scrgbClr r="0" g="0" b="0"/>
+      </a:fillRef>
+      <a:effectRef idx="0">
+        <a:scrgbClr r="0" g="0" b="0"/>
+      </a:effectRef>
+      <a:fontRef idx="minor">
+        <a:schemeClr val="tx1"/>
+      </a:fontRef>
+    </dgm:style>
+  </dgm:styleLbl>
+  <dgm:styleLbl name="alignNode1">
+    <dgm:scene3d>
+      <a:camera prst="orthographicFront"/>
+      <a:lightRig rig="threePt" dir="t"/>
+    </dgm:scene3d>
+    <dgm:sp3d/>
+    <dgm:txPr/>
+    <dgm:style>
+      <a:lnRef idx="2">
+        <a:scrgbClr r="0" g="0" b="0"/>
+      </a:lnRef>
+      <a:fillRef idx="1">
+        <a:scrgbClr r="0" g="0" b="0"/>
+      </a:fillRef>
+      <a:effectRef idx="0">
+        <a:scrgbClr r="0" g="0" b="0"/>
+      </a:effectRef>
+      <a:fontRef idx="minor">
+        <a:schemeClr val="lt1"/>
+      </a:fontRef>
+    </dgm:style>
+  </dgm:styleLbl>
+  <dgm:styleLbl name="node1">
+    <dgm:scene3d>
+      <a:camera prst="orthographicFront"/>
+      <a:lightRig rig="threePt" dir="t"/>
+    </dgm:scene3d>
+    <dgm:sp3d/>
+    <dgm:txPr/>
+    <dgm:style>
+      <a:lnRef idx="2">
+        <a:scrgbClr r="0" g="0" b="0"/>
+      </a:lnRef>
+      <a:fillRef idx="1">
+        <a:scrgbClr r="0" g="0" b="0"/>
+      </a:fillRef>
+      <a:effectRef idx="0">
+        <a:scrgbClr r="0" g="0" b="0"/>
+      </a:effectRef>
+      <a:fontRef idx="minor">
+        <a:schemeClr val="lt1"/>
+      </a:fontRef>
+    </dgm:style>
+  </dgm:styleLbl>
+  <dgm:styleLbl name="node2">
+    <dgm:scene3d>
+      <a:camera prst="orthographicFront"/>
+      <a:lightRig rig="threePt" dir="t"/>
+    </dgm:scene3d>
+    <dgm:sp3d/>
+    <dgm:txPr/>
+    <dgm:style>
+      <a:lnRef idx="2">
+        <a:scrgbClr r="0" g="0" b="0"/>
+      </a:lnRef>
+      <a:fillRef idx="1">
+        <a:scrgbClr r="0" g="0" b="0"/>
+      </a:fillRef>
+      <a:effectRef idx="0">
+        <a:scrgbClr r="0" g="0" b="0"/>
+      </a:effectRef>
+      <a:fontRef idx="minor">
+        <a:schemeClr val="lt1"/>
+      </a:fontRef>
+    </dgm:style>
+  </dgm:styleLbl>
+  <dgm:styleLbl name="node3">
+    <dgm:scene3d>
+      <a:camera prst="orthographicFront"/>
+      <a:lightRig rig="threePt" dir="t"/>
+    </dgm:scene3d>
+    <dgm:sp3d/>
+    <dgm:txPr/>
+    <dgm:style>
+      <a:lnRef idx="2">
+        <a:scrgbClr r="0" g="0" b="0"/>
+      </a:lnRef>
+      <a:fillRef idx="1">
+        <a:scrgbClr r="0" g="0" b="0"/>
+      </a:fillRef>
+      <a:effectRef idx="0">
+        <a:scrgbClr r="0" g="0" b="0"/>
+      </a:effectRef>
+      <a:fontRef idx="minor">
+        <a:schemeClr val="lt1"/>
+      </a:fontRef>
+    </dgm:style>
+  </dgm:styleLbl>
+  <dgm:styleLbl name="node4">
+    <dgm:scene3d>
+      <a:camera prst="orthographicFront"/>
+      <a:lightRig rig="threePt" dir="t"/>
+    </dgm:scene3d>
+    <dgm:sp3d/>
+    <dgm:txPr/>
+    <dgm:style>
+      <a:lnRef idx="2">
+        <a:scrgbClr r="0" g="0" b="0"/>
+      </a:lnRef>
+      <a:fillRef idx="1">
+        <a:scrgbClr r="0" g="0" b="0"/>
+      </a:fillRef>
+      <a:effectRef idx="0">
+        <a:scrgbClr r="0" g="0" b="0"/>
+      </a:effectRef>
+      <a:fontRef idx="minor">
+        <a:schemeClr val="lt1"/>
+      </a:fontRef>
+    </dgm:style>
+  </dgm:styleLbl>
+  <dgm:styleLbl name="fgImgPlace1">
+    <dgm:scene3d>
+      <a:camera prst="orthographicFront"/>
+      <a:lightRig rig="threePt" dir="t"/>
+    </dgm:scene3d>
+    <dgm:sp3d/>
+    <dgm:txPr/>
+    <dgm:style>
+      <a:lnRef idx="2">
+        <a:scrgbClr r="0" g="0" b="0"/>
+      </a:lnRef>
+      <a:fillRef idx="1">
+        <a:scrgbClr r="0" g="0" b="0"/>
+      </a:fillRef>
+      <a:effectRef idx="0">
+        <a:scrgbClr r="0" g="0" b="0"/>
+      </a:effectRef>
+      <a:fontRef idx="minor"/>
+    </dgm:style>
+  </dgm:styleLbl>
+  <dgm:styleLbl name="alignImgPlace1">
+    <dgm:scene3d>
+      <a:camera prst="orthographicFront"/>
+      <a:lightRig rig="threePt" dir="t"/>
+    </dgm:scene3d>
+    <dgm:sp3d/>
+    <dgm:txPr/>
+    <dgm:style>
+      <a:lnRef idx="2">
+        <a:scrgbClr r="0" g="0" b="0"/>
+      </a:lnRef>
+      <a:fillRef idx="1">
+        <a:scrgbClr r="0" g="0" b="0"/>
+      </a:fillRef>
+      <a:effectRef idx="0">
+        <a:scrgbClr r="0" g="0" b="0"/>
+      </a:effectRef>
+      <a:fontRef idx="minor"/>
+    </dgm:style>
+  </dgm:styleLbl>
+  <dgm:styleLbl name="bgImgPlace1">
+    <dgm:scene3d>
+      <a:camera prst="orthographicFront"/>
+      <a:lightRig rig="threePt" dir="t"/>
+    </dgm:scene3d>
+    <dgm:sp3d/>
+    <dgm:txPr/>
+    <dgm:style>
+      <a:lnRef idx="2">
+        <a:scrgbClr r="0" g="0" b="0"/>
+      </a:lnRef>
+      <a:fillRef idx="1">
+        <a:scrgbClr r="0" g="0" b="0"/>
+      </a:fillRef>
+      <a:effectRef idx="0">
+        <a:scrgbClr r="0" g="0" b="0"/>
+      </a:effectRef>
+      <a:fontRef idx="minor"/>
+    </dgm:style>
+  </dgm:styleLbl>
+  <dgm:styleLbl name="sibTrans2D1">
+    <dgm:scene3d>
+      <a:camera prst="orthographicFront"/>
+      <a:lightRig rig="threePt" dir="t"/>
+    </dgm:scene3d>
+    <dgm:sp3d/>
+    <dgm:txPr/>
+    <dgm:style>
+      <a:lnRef idx="0">
+        <a:scrgbClr r="0" g="0" b="0"/>
+      </a:lnRef>
+      <a:fillRef idx="1">
+        <a:scrgbClr r="0" g="0" b="0"/>
+      </a:fillRef>
+      <a:effectRef idx="0">
+        <a:scrgbClr r="0" g="0" b="0"/>
+      </a:effectRef>
+      <a:fontRef idx="minor">
+        <a:schemeClr val="lt1"/>
+      </a:fontRef>
+    </dgm:style>
+  </dgm:styleLbl>
+  <dgm:styleLbl name="fgSibTrans2D1">
+    <dgm:scene3d>
+      <a:camera prst="orthographicFront"/>
+      <a:lightRig rig="threePt" dir="t"/>
+    </dgm:scene3d>
+    <dgm:sp3d/>
+    <dgm:txPr/>
+    <dgm:style>
+      <a:lnRef idx="0">
+        <a:scrgbClr r="0" g="0" b="0"/>
+      </a:lnRef>
+      <a:fillRef idx="1">
+        <a:scrgbClr r="0" g="0" b="0"/>
+      </a:fillRef>
+      <a:effectRef idx="0">
+        <a:scrgbClr r="0" g="0" b="0"/>
+      </a:effectRef>
+      <a:fontRef idx="minor">
+        <a:schemeClr val="lt1"/>
+      </a:fontRef>
+    </dgm:style>
+  </dgm:styleLbl>
+  <dgm:styleLbl name="bgSibTrans2D1">
+    <dgm:scene3d>
+      <a:camera prst="orthographicFront"/>
+      <a:lightRig rig="threePt" dir="t"/>
+    </dgm:scene3d>
+    <dgm:sp3d/>
+    <dgm:txPr/>
+    <dgm:style>
+      <a:lnRef idx="0">
+        <a:scrgbClr r="0" g="0" b="0"/>
+      </a:lnRef>
+      <a:fillRef idx="1">
+        <a:scrgbClr r="0" g="0" b="0"/>
+      </a:fillRef>
+      <a:effectRef idx="0">
+        <a:scrgbClr r="0" g="0" b="0"/>
+      </a:effectRef>
+      <a:fontRef idx="minor">
+        <a:schemeClr val="lt1"/>
+      </a:fontRef>
+    </dgm:style>
+  </dgm:styleLbl>
+  <dgm:styleLbl name="sibTrans1D1">
+    <dgm:scene3d>
+      <a:camera prst="orthographicFront"/>
+      <a:lightRig rig="threePt" dir="t"/>
+    </dgm:scene3d>
+    <dgm:sp3d/>
+    <dgm:txPr/>
+    <dgm:style>
+      <a:lnRef idx="1">
+        <a:scrgbClr r="0" g="0" b="0"/>
+      </a:lnRef>
+      <a:fillRef idx="0">
+        <a:scrgbClr r="0" g="0" b="0"/>
+      </a:fillRef>
+      <a:effectRef idx="0">
+        <a:scrgbClr r="0" g="0" b="0"/>
+      </a:effectRef>
+      <a:fontRef idx="minor"/>
+    </dgm:style>
+  </dgm:styleLbl>
+  <dgm:styleLbl name="callout">
+    <dgm:scene3d>
+      <a:camera prst="orthographicFront"/>
+      <a:lightRig rig="threePt" dir="t"/>
+    </dgm:scene3d>
+    <dgm:sp3d/>
+    <dgm:txPr/>
+    <dgm:style>
+      <a:lnRef idx="2">
+        <a:scrgbClr r="0" g="0" b="0"/>
+      </a:lnRef>
+      <a:fillRef idx="1">
+        <a:scrgbClr r="0" g="0" b="0"/>
+      </a:fillRef>
+      <a:effectRef idx="0">
+        <a:scrgbClr r="0" g="0" b="0"/>
+      </a:effectRef>
+      <a:fontRef idx="minor"/>
+    </dgm:style>
+  </dgm:styleLbl>
+  <dgm:styleLbl name="asst0">
+    <dgm:scene3d>
+      <a:camera prst="orthographicFront"/>
+      <a:lightRig rig="threePt" dir="t"/>
+    </dgm:scene3d>
+    <dgm:sp3d/>
+    <dgm:txPr/>
+    <dgm:style>
+      <a:lnRef idx="2">
+        <a:scrgbClr r="0" g="0" b="0"/>
+      </a:lnRef>
+      <a:fillRef idx="1">
+        <a:scrgbClr r="0" g="0" b="0"/>
+      </a:fillRef>
+      <a:effectRef idx="0">
+        <a:scrgbClr r="0" g="0" b="0"/>
+      </a:effectRef>
+      <a:fontRef idx="minor">
+        <a:schemeClr val="lt1"/>
+      </a:fontRef>
+    </dgm:style>
+  </dgm:styleLbl>
+  <dgm:styleLbl name="asst1">
+    <dgm:scene3d>
+      <a:camera prst="orthographicFront"/>
+      <a:lightRig rig="threePt" dir="t"/>
+    </dgm:scene3d>
+    <dgm:sp3d/>
+    <dgm:txPr/>
+    <dgm:style>
+      <a:lnRef idx="2">
+        <a:scrgbClr r="0" g="0" b="0"/>
+      </a:lnRef>
+      <a:fillRef idx="1">
+        <a:scrgbClr r="0" g="0" b="0"/>
+      </a:fillRef>
+      <a:effectRef idx="0">
+        <a:scrgbClr r="0" g="0" b="0"/>
+      </a:effectRef>
+      <a:fontRef idx="minor">
+        <a:schemeClr val="lt1"/>
+      </a:fontRef>
+    </dgm:style>
+  </dgm:styleLbl>
+  <dgm:styleLbl name="asst2">
+    <dgm:scene3d>
+      <a:camera prst="orthographicFront"/>
+      <a:lightRig rig="threePt" dir="t"/>
+    </dgm:scene3d>
+    <dgm:sp3d/>
+    <dgm:txPr/>
+    <dgm:style>
+      <a:lnRef idx="2">
+        <a:scrgbClr r="0" g="0" b="0"/>
+      </a:lnRef>
+      <a:fillRef idx="1">
+        <a:scrgbClr r="0" g="0" b="0"/>
+      </a:fillRef>
+      <a:effectRef idx="0">
+        <a:scrgbClr r="0" g="0" b="0"/>
+      </a:effectRef>
+      <a:fontRef idx="minor">
+        <a:schemeClr val="lt1"/>
+      </a:fontRef>
+    </dgm:style>
+  </dgm:styleLbl>
+  <dgm:styleLbl name="asst3">
+    <dgm:scene3d>
+      <a:camera prst="orthographicFront"/>
+      <a:lightRig rig="threePt" dir="t"/>
+    </dgm:scene3d>
+    <dgm:sp3d/>
+    <dgm:txPr/>
+    <dgm:style>
+      <a:lnRef idx="2">
+        <a:scrgbClr r="0" g="0" b="0"/>
+      </a:lnRef>
+      <a:fillRef idx="1">
+        <a:scrgbClr r="0" g="0" b="0"/>
+      </a:fillRef>
+      <a:effectRef idx="0">
+        <a:scrgbClr r="0" g="0" b="0"/>
+      </a:effectRef>
+      <a:fontRef idx="minor">
+        <a:schemeClr val="lt1"/>
+      </a:fontRef>
+    </dgm:style>
+  </dgm:styleLbl>
+  <dgm:styleLbl name="asst4">
+    <dgm:scene3d>
+      <a:camera prst="orthographicFront"/>
+      <a:lightRig rig="threePt" dir="t"/>
+    </dgm:scene3d>
+    <dgm:sp3d/>
+    <dgm:txPr/>
+    <dgm:style>
+      <a:lnRef idx="2">
+        <a:scrgbClr r="0" g="0" b="0"/>
+      </a:lnRef>
+      <a:fillRef idx="1">
+        <a:scrgbClr r="0" g="0" b="0"/>
+      </a:fillRef>
+      <a:effectRef idx="0">
+        <a:scrgbClr r="0" g="0" b="0"/>
+      </a:effectRef>
+      <a:fontRef idx="minor">
+        <a:schemeClr val="lt1"/>
+      </a:fontRef>
+    </dgm:style>
+  </dgm:styleLbl>
+  <dgm:styleLbl name="parChTrans2D1">
+    <dgm:scene3d>
+      <a:camera prst="orthographicFront"/>
+      <a:lightRig rig="threePt" dir="t"/>
+    </dgm:scene3d>
+    <dgm:sp3d/>
+    <dgm:txPr/>
+    <dgm:style>
+      <a:lnRef idx="2">
+        <a:scrgbClr r="0" g="0" b="0"/>
+      </a:lnRef>
+      <a:fillRef idx="1">
+        <a:scrgbClr r="0" g="0" b="0"/>
+      </a:fillRef>
+      <a:effectRef idx="0">
+        <a:scrgbClr r="0" g="0" b="0"/>
+      </a:effectRef>
+      <a:fontRef idx="minor">
+        <a:schemeClr val="lt1"/>
+      </a:fontRef>
+    </dgm:style>
+  </dgm:styleLbl>
+  <dgm:styleLbl name="parChTrans2D2">
+    <dgm:scene3d>
+      <a:camera prst="orthographicFront"/>
+      <a:lightRig rig="threePt" dir="t"/>
+    </dgm:scene3d>
+    <dgm:sp3d/>
+    <dgm:txPr/>
+    <dgm:style>
+      <a:lnRef idx="2">
+        <a:scrgbClr r="0" g="0" b="0"/>
+      </a:lnRef>
+      <a:fillRef idx="1">
+        <a:scrgbClr r="0" g="0" b="0"/>
+      </a:fillRef>
+      <a:effectRef idx="0">
+        <a:scrgbClr r="0" g="0" b="0"/>
+      </a:effectRef>
+      <a:fontRef idx="minor">
+        <a:schemeClr val="lt1"/>
+      </a:fontRef>
+    </dgm:style>
+  </dgm:styleLbl>
+  <dgm:styleLbl name="parChTrans2D3">
+    <dgm:scene3d>
+      <a:camera prst="orthographicFront"/>
+      <a:lightRig rig="threePt" dir="t"/>
+    </dgm:scene3d>
+    <dgm:sp3d/>
+    <dgm:txPr/>
+    <dgm:style>
+      <a:lnRef idx="2">
+        <a:scrgbClr r="0" g="0" b="0"/>
+      </a:lnRef>
+      <a:fillRef idx="1">
+        <a:scrgbClr r="0" g="0" b="0"/>
+      </a:fillRef>
+      <a:effectRef idx="0">
+        <a:scrgbClr r="0" g="0" b="0"/>
+      </a:effectRef>
+      <a:fontRef idx="minor">
+        <a:schemeClr val="lt1"/>
+      </a:fontRef>
+    </dgm:style>
+  </dgm:styleLbl>
+  <dgm:styleLbl name="parChTrans2D4">
+    <dgm:scene3d>
+      <a:camera prst="orthographicFront"/>
+      <a:lightRig rig="threePt" dir="t"/>
+    </dgm:scene3d>
+    <dgm:sp3d/>
+    <dgm:txPr/>
+    <dgm:style>
+      <a:lnRef idx="2">
+        <a:scrgbClr r="0" g="0" b="0"/>
+      </a:lnRef>
+      <a:fillRef idx="1">
+        <a:scrgbClr r="0" g="0" b="0"/>
+      </a:fillRef>
+      <a:effectRef idx="0">
+        <a:scrgbClr r="0" g="0" b="0"/>
+      </a:effectRef>
+      <a:fontRef idx="minor">
+        <a:schemeClr val="lt1"/>
+      </a:fontRef>
+    </dgm:style>
+  </dgm:styleLbl>
+  <dgm:styleLbl name="parChTrans1D1">
+    <dgm:scene3d>
+      <a:camera prst="orthographicFront"/>
+      <a:lightRig rig="threePt" dir="t"/>
+    </dgm:scene3d>
+    <dgm:sp3d/>
+    <dgm:txPr/>
+    <dgm:style>
+      <a:lnRef idx="2">
+        <a:scrgbClr r="0" g="0" b="0"/>
+      </a:lnRef>
+      <a:fillRef idx="0">
+        <a:scrgbClr r="0" g="0" b="0"/>
+      </a:fillRef>
+      <a:effectRef idx="0">
+        <a:scrgbClr r="0" g="0" b="0"/>
+      </a:effectRef>
+      <a:fontRef idx="minor"/>
+    </dgm:style>
+  </dgm:styleLbl>
+  <dgm:styleLbl name="parChTrans1D2">
+    <dgm:scene3d>
+      <a:camera prst="orthographicFront"/>
+      <a:lightRig rig="threePt" dir="t"/>
+    </dgm:scene3d>
+    <dgm:sp3d/>
+    <dgm:txPr/>
+    <dgm:style>
+      <a:lnRef idx="2">
+        <a:scrgbClr r="0" g="0" b="0"/>
+      </a:lnRef>
+      <a:fillRef idx="0">
+        <a:scrgbClr r="0" g="0" b="0"/>
+      </a:fillRef>
+      <a:effectRef idx="0">
+        <a:scrgbClr r="0" g="0" b="0"/>
+      </a:effectRef>
+      <a:fontRef idx="minor"/>
+    </dgm:style>
+  </dgm:styleLbl>
+  <dgm:styleLbl name="parChTrans1D3">
+    <dgm:scene3d>
+      <a:camera prst="orthographicFront"/>
+      <a:lightRig rig="threePt" dir="t"/>
+    </dgm:scene3d>
+    <dgm:sp3d/>
+    <dgm:txPr/>
+    <dgm:style>
+      <a:lnRef idx="2">
+        <a:scrgbClr r="0" g="0" b="0"/>
+      </a:lnRef>
+      <a:fillRef idx="0">
+        <a:scrgbClr r="0" g="0" b="0"/>
+      </a:fillRef>
+      <a:effectRef idx="0">
+        <a:scrgbClr r="0" g="0" b="0"/>
+      </a:effectRef>
+      <a:fontRef idx="minor"/>
+    </dgm:style>
+  </dgm:styleLbl>
+  <dgm:styleLbl name="parChTrans1D4">
+    <dgm:scene3d>
+      <a:camera prst="orthographicFront"/>
+      <a:lightRig rig="threePt" dir="t"/>
+    </dgm:scene3d>
+    <dgm:sp3d/>
+    <dgm:txPr/>
+    <dgm:style>
+      <a:lnRef idx="2">
+        <a:scrgbClr r="0" g="0" b="0"/>
+      </a:lnRef>
+      <a:fillRef idx="0">
+        <a:scrgbClr r="0" g="0" b="0"/>
+      </a:fillRef>
+      <a:effectRef idx="0">
+        <a:scrgbClr r="0" g="0" b="0"/>
+      </a:effectRef>
+      <a:fontRef idx="minor"/>
+    </dgm:style>
+  </dgm:styleLbl>
+  <dgm:styleLbl name="fgAcc1">
+    <dgm:scene3d>
+      <a:camera prst="orthographicFront"/>
+      <a:lightRig rig="threePt" dir="t"/>
+    </dgm:scene3d>
+    <dgm:sp3d/>
+    <dgm:txPr/>
+    <dgm:style>
+      <a:lnRef idx="2">
+        <a:scrgbClr r="0" g="0" b="0"/>
+      </a:lnRef>
+      <a:fillRef idx="1">
+        <a:scrgbClr r="0" g="0" b="0"/>
+      </a:fillRef>
+      <a:effectRef idx="0">
+        <a:scrgbClr r="0" g="0" b="0"/>
+      </a:effectRef>
+      <a:fontRef idx="minor"/>
+    </dgm:style>
+  </dgm:styleLbl>
+  <dgm:styleLbl name="conFgAcc1">
+    <dgm:scene3d>
+      <a:camera prst="orthographicFront"/>
+      <a:lightRig rig="threePt" dir="t"/>
+    </dgm:scene3d>
+    <dgm:sp3d/>
+    <dgm:txPr/>
+    <dgm:style>
+      <a:lnRef idx="2">
+        <a:scrgbClr r="0" g="0" b="0"/>
+      </a:lnRef>
+      <a:fillRef idx="1">
+        <a:scrgbClr r="0" g="0" b="0"/>
+      </a:fillRef>
+      <a:effectRef idx="0">
+        <a:scrgbClr r="0" g="0" b="0"/>
+      </a:effectRef>
+      <a:fontRef idx="minor"/>
+    </dgm:style>
+  </dgm:styleLbl>
+  <dgm:styleLbl name="alignAcc1">
+    <dgm:scene3d>
+      <a:camera prst="orthographicFront"/>
+      <a:lightRig rig="threePt" dir="t"/>
+    </dgm:scene3d>
+    <dgm:sp3d/>
+    <dgm:txPr/>
+    <dgm:style>
+      <a:lnRef idx="2">
+        <a:scrgbClr r="0" g="0" b="0"/>
+      </a:lnRef>
+      <a:fillRef idx="1">
+        <a:scrgbClr r="0" g="0" b="0"/>
+      </a:fillRef>
+      <a:effectRef idx="0">
+        <a:scrgbClr r="0" g="0" b="0"/>
+      </a:effectRef>
+      <a:fontRef idx="minor"/>
+    </dgm:style>
+  </dgm:styleLbl>
+  <dgm:styleLbl name="trAlignAcc1">
+    <dgm:scene3d>
+      <a:camera prst="orthographicFront"/>
+      <a:lightRig rig="threePt" dir="t"/>
+    </dgm:scene3d>
+    <dgm:sp3d/>
+    <dgm:txPr/>
+    <dgm:style>
+      <a:lnRef idx="1">
+        <a:scrgbClr r="0" g="0" b="0"/>
+      </a:lnRef>
+      <a:fillRef idx="1">
+        <a:scrgbClr r="0" g="0" b="0"/>
+      </a:fillRef>
+      <a:effectRef idx="0">
+        <a:scrgbClr r="0" g="0" b="0"/>
+      </a:effectRef>
+      <a:fontRef idx="minor"/>
+    </dgm:style>
+  </dgm:styleLbl>
+  <dgm:styleLbl name="bgAcc1">
+    <dgm:scene3d>
+      <a:camera prst="orthographicFront"/>
+      <a:lightRig rig="threePt" dir="t"/>
+    </dgm:scene3d>
+    <dgm:sp3d/>
+    <dgm:txPr/>
+    <dgm:style>
+      <a:lnRef idx="2">
+        <a:scrgbClr r="0" g="0" b="0"/>
+      </a:lnRef>
+      <a:fillRef idx="1">
+        <a:scrgbClr r="0" g="0" b="0"/>
+      </a:fillRef>
+      <a:effectRef idx="0">
+        <a:scrgbClr r="0" g="0" b="0"/>
+      </a:effectRef>
+      <a:fontRef idx="minor"/>
+    </dgm:style>
+  </dgm:styleLbl>
+  <dgm:styleLbl name="solidFgAcc1">
+    <dgm:scene3d>
+      <a:camera prst="orthographicFront"/>
+      <a:lightRig rig="threePt" dir="t"/>
+    </dgm:scene3d>
+    <dgm:sp3d/>
+    <dgm:txPr/>
+    <dgm:style>
+      <a:lnRef idx="2">
+        <a:scrgbClr r="0" g="0" b="0"/>
+      </a:lnRef>
+      <a:fillRef idx="1">
+        <a:scrgbClr r="0" g="0" b="0"/>
+      </a:fillRef>
+      <a:effectRef idx="0">
+        <a:scrgbClr r="0" g="0" b="0"/>
+      </a:effectRef>
+      <a:fontRef idx="minor"/>
+    </dgm:style>
+  </dgm:styleLbl>
+  <dgm:styleLbl name="solidAlignAcc1">
+    <dgm:scene3d>
+      <a:camera prst="orthographicFront"/>
+      <a:lightRig rig="threePt" dir="t"/>
+    </dgm:scene3d>
+    <dgm:sp3d/>
+    <dgm:txPr/>
+    <dgm:style>
+      <a:lnRef idx="2">
+        <a:scrgbClr r="0" g="0" b="0"/>
+      </a:lnRef>
+      <a:fillRef idx="1">
+        <a:scrgbClr r="0" g="0" b="0"/>
+      </a:fillRef>
+      <a:effectRef idx="0">
+        <a:scrgbClr r="0" g="0" b="0"/>
+      </a:effectRef>
+      <a:fontRef idx="minor"/>
+    </dgm:style>
+  </dgm:styleLbl>
+  <dgm:styleLbl name="solidBgAcc1">
+    <dgm:scene3d>
+      <a:camera prst="orthographicFront"/>
+      <a:lightRig rig="threePt" dir="t"/>
+    </dgm:scene3d>
+    <dgm:sp3d/>
+    <dgm:txPr/>
+    <dgm:style>
+      <a:lnRef idx="2">
+        <a:scrgbClr r="0" g="0" b="0"/>
+      </a:lnRef>
+      <a:fillRef idx="1">
+        <a:scrgbClr r="0" g="0" b="0"/>
+      </a:fillRef>
+      <a:effectRef idx="0">
+        <a:scrgbClr r="0" g="0" b="0"/>
+      </a:effectRef>
+      <a:fontRef idx="minor"/>
+    </dgm:style>
+  </dgm:styleLbl>
+  <dgm:styleLbl name="fgAccFollowNode1">
+    <dgm:scene3d>
+      <a:camera prst="orthographicFront"/>
+      <a:lightRig rig="threePt" dir="t"/>
+    </dgm:scene3d>
+    <dgm:sp3d/>
+    <dgm:txPr/>
+    <dgm:style>
+      <a:lnRef idx="2">
+        <a:scrgbClr r="0" g="0" b="0"/>
+      </a:lnRef>
+      <a:fillRef idx="1">
+        <a:scrgbClr r="0" g="0" b="0"/>
+      </a:fillRef>
+      <a:effectRef idx="0">
+        <a:scrgbClr r="0" g="0" b="0"/>
+      </a:effectRef>
+      <a:fontRef idx="minor"/>
+    </dgm:style>
+  </dgm:styleLbl>
+  <dgm:styleLbl name="alignAccFollowNode1">
+    <dgm:scene3d>
+      <a:camera prst="orthographicFront"/>
+      <a:lightRig rig="threePt" dir="t"/>
+    </dgm:scene3d>
+    <dgm:sp3d/>
+    <dgm:txPr/>
+    <dgm:style>
+      <a:lnRef idx="2">
+        <a:scrgbClr r="0" g="0" b="0"/>
+      </a:lnRef>
+      <a:fillRef idx="1">
+        <a:scrgbClr r="0" g="0" b="0"/>
+      </a:fillRef>
+      <a:effectRef idx="0">
+        <a:scrgbClr r="0" g="0" b="0"/>
+      </a:effectRef>
+      <a:fontRef idx="minor"/>
+    </dgm:style>
+  </dgm:styleLbl>
+  <dgm:styleLbl name="bgAccFollowNode1">
+    <dgm:scene3d>
+      <a:camera prst="orthographicFront"/>
+      <a:lightRig rig="threePt" dir="t"/>
+    </dgm:scene3d>
+    <dgm:sp3d/>
+    <dgm:txPr/>
+    <dgm:style>
+      <a:lnRef idx="2">
+        <a:scrgbClr r="0" g="0" b="0"/>
+      </a:lnRef>
+      <a:fillRef idx="1">
+        <a:scrgbClr r="0" g="0" b="0"/>
+      </a:fillRef>
+      <a:effectRef idx="0">
+        <a:scrgbClr r="0" g="0" b="0"/>
+      </a:effectRef>
+      <a:fontRef idx="minor"/>
+    </dgm:style>
+  </dgm:styleLbl>
+  <dgm:styleLbl name="fgAcc0">
+    <dgm:scene3d>
+      <a:camera prst="orthographicFront"/>
+      <a:lightRig rig="threePt" dir="t"/>
+    </dgm:scene3d>
+    <dgm:sp3d/>
+    <dgm:txPr/>
+    <dgm:style>
+      <a:lnRef idx="2">
+        <a:scrgbClr r="0" g="0" b="0"/>
+      </a:lnRef>
+      <a:fillRef idx="1">
+        <a:scrgbClr r="0" g="0" b="0"/>
+      </a:fillRef>
+      <a:effectRef idx="0">
+        <a:scrgbClr r="0" g="0" b="0"/>
+      </a:effectRef>
+      <a:fontRef idx="minor"/>
+    </dgm:style>
+  </dgm:styleLbl>
+  <dgm:styleLbl name="fgAcc2">
+    <dgm:scene3d>
+      <a:camera prst="orthographicFront"/>
+      <a:lightRig rig="threePt" dir="t"/>
+    </dgm:scene3d>
+    <dgm:sp3d/>
+    <dgm:txPr/>
+    <dgm:style>
+      <a:lnRef idx="2">
+        <a:scrgbClr r="0" g="0" b="0"/>
+      </a:lnRef>
+      <a:fillRef idx="1">
+        <a:scrgbClr r="0" g="0" b="0"/>
+      </a:fillRef>
+      <a:effectRef idx="0">
+        <a:scrgbClr r="0" g="0" b="0"/>
+      </a:effectRef>
+      <a:fontRef idx="minor"/>
+    </dgm:style>
+  </dgm:styleLbl>
+  <dgm:styleLbl name="fgAcc3">
+    <dgm:scene3d>
+      <a:camera prst="orthographicFront"/>
+      <a:lightRig rig="threePt" dir="t"/>
+    </dgm:scene3d>
+    <dgm:sp3d/>
+    <dgm:txPr/>
+    <dgm:style>
+      <a:lnRef idx="2">
+        <a:scrgbClr r="0" g="0" b="0"/>
+      </a:lnRef>
+      <a:fillRef idx="1">
+        <a:scrgbClr r="0" g="0" b="0"/>
+      </a:fillRef>
+      <a:effectRef idx="0">
+        <a:scrgbClr r="0" g="0" b="0"/>
+      </a:effectRef>
+      <a:fontRef idx="minor"/>
+    </dgm:style>
+  </dgm:styleLbl>
+  <dgm:styleLbl name="fgAcc4">
+    <dgm:scene3d>
+      <a:camera prst="orthographicFront"/>
+      <a:lightRig rig="threePt" dir="t"/>
+    </dgm:scene3d>
+    <dgm:sp3d/>
+    <dgm:txPr/>
+    <dgm:style>
+      <a:lnRef idx="2">
+        <a:scrgbClr r="0" g="0" b="0"/>
+      </a:lnRef>
+      <a:fillRef idx="1">
+        <a:scrgbClr r="0" g="0" b="0"/>
+      </a:fillRef>
+      <a:effectRef idx="0">
+        <a:scrgbClr r="0" g="0" b="0"/>
+      </a:effectRef>
+      <a:fontRef idx="minor"/>
+    </dgm:style>
+  </dgm:styleLbl>
+  <dgm:styleLbl name="bgShp">
+    <dgm:scene3d>
+      <a:camera prst="orthographicFront"/>
+      <a:lightRig rig="threePt" dir="t"/>
+    </dgm:scene3d>
+    <dgm:sp3d/>
+    <dgm:txPr/>
+    <dgm:style>
+      <a:lnRef idx="0">
+        <a:scrgbClr r="0" g="0" b="0"/>
+      </a:lnRef>
+      <a:fillRef idx="1">
+        <a:scrgbClr r="0" g="0" b="0"/>
+      </a:fillRef>
+      <a:effectRef idx="0">
+        <a:scrgbClr r="0" g="0" b="0"/>
+      </a:effectRef>
+      <a:fontRef idx="minor"/>
+    </dgm:style>
+  </dgm:styleLbl>
+  <dgm:styleLbl name="dkBgShp">
+    <dgm:scene3d>
+      <a:camera prst="orthographicFront"/>
+      <a:lightRig rig="threePt" dir="t"/>
+    </dgm:scene3d>
+    <dgm:sp3d/>
+    <dgm:txPr/>
+    <dgm:style>
+      <a:lnRef idx="0">
+        <a:scrgbClr r="0" g="0" b="0"/>
+      </a:lnRef>
+      <a:fillRef idx="1">
+        <a:scrgbClr r="0" g="0" b="0"/>
+      </a:fillRef>
+      <a:effectRef idx="0">
+        <a:scrgbClr r="0" g="0" b="0"/>
+      </a:effectRef>
+      <a:fontRef idx="minor"/>
+    </dgm:style>
+  </dgm:styleLbl>
+  <dgm:styleLbl name="trBgShp">
+    <dgm:scene3d>
+      <a:camera prst="orthographicFront"/>
+      <a:lightRig rig="threePt" dir="t"/>
+    </dgm:scene3d>
+    <dgm:sp3d/>
+    <dgm:txPr/>
+    <dgm:style>
+      <a:lnRef idx="0">
+        <a:scrgbClr r="0" g="0" b="0"/>
+      </a:lnRef>
+      <a:fillRef idx="1">
+        <a:scrgbClr r="0" g="0" b="0"/>
+      </a:fillRef>
+      <a:effectRef idx="0">
+        <a:scrgbClr r="0" g="0" b="0"/>
+      </a:effectRef>
+      <a:fontRef idx="minor"/>
+    </dgm:style>
+  </dgm:styleLbl>
+  <dgm:styleLbl name="fgShp">
+    <dgm:scene3d>
+      <a:camera prst="orthographicFront"/>
+      <a:lightRig rig="threePt" dir="t"/>
+    </dgm:scene3d>
+    <dgm:sp3d/>
+    <dgm:txPr/>
+    <dgm:style>
+      <a:lnRef idx="2">
+        <a:scrgbClr r="0" g="0" b="0"/>
+      </a:lnRef>
+      <a:fillRef idx="1">
+        <a:scrgbClr r="0" g="0" b="0"/>
+      </a:fillRef>
+      <a:effectRef idx="0">
+        <a:scrgbClr r="0" g="0" b="0"/>
+      </a:effectRef>
+      <a:fontRef idx="minor"/>
+    </dgm:style>
+  </dgm:styleLbl>
+  <dgm:styleLbl name="revTx">
+    <dgm:scene3d>
+      <a:camera prst="orthographicFront"/>
+      <a:lightRig rig="threePt" dir="t"/>
+    </dgm:scene3d>
+    <dgm:sp3d/>
+    <dgm:txPr/>
+    <dgm:style>
+      <a:lnRef idx="0">
+        <a:scrgbClr r="0" g="0" b="0"/>
+      </a:lnRef>
+      <a:fillRef idx="0">
+        <a:scrgbClr r="0" g="0" b="0"/>
+      </a:fillRef>
+      <a:effectRef idx="0">
+        <a:scrgbClr r="0" g="0" b="0"/>
+      </a:effectRef>
+      <a:fontRef idx="minor"/>
+    </dgm:style>
+  </dgm:styleLbl>
+</dgm:styleDef>
 </file>
 
 <file path=ppt/slideLayouts/slideLayout1.xml><?xml version="1.0" encoding="utf-8"?>
@@ -16053,7 +19185,7 @@
       </p:grpSpPr>
       <p:grpSp>
         <p:nvGrpSpPr>
-          <p:cNvPr id="64" name="Group 6">
+          <p:cNvPr id="129" name="Group 6">
             <a:extLst>
               <a:ext uri="{FF2B5EF4-FFF2-40B4-BE49-F238E27FC236}">
                 <a16:creationId xmlns:a16="http://schemas.microsoft.com/office/drawing/2014/main" id="{15E1AC81-83F2-45A8-9054-15570F4E2557}"/>
@@ -17513,7 +20645,7 @@
       </p:grpSp>
       <p:grpSp>
         <p:nvGrpSpPr>
-          <p:cNvPr id="65" name="Group 29">
+          <p:cNvPr id="130" name="Group 29">
             <a:extLst>
               <a:ext uri="{FF2B5EF4-FFF2-40B4-BE49-F238E27FC236}">
                 <a16:creationId xmlns:a16="http://schemas.microsoft.com/office/drawing/2014/main" id="{FBF129BC-EA9E-4D20-898B-399F7727DFB9}"/>
@@ -17544,7 +20676,7 @@
         </p:grpSpPr>
         <p:sp>
           <p:nvSpPr>
-            <p:cNvPr id="66" name="Rectangle 30">
+            <p:cNvPr id="131" name="Rectangle 30">
               <a:extLst>
                 <a:ext uri="{FF2B5EF4-FFF2-40B4-BE49-F238E27FC236}">
                   <a16:creationId xmlns:a16="http://schemas.microsoft.com/office/drawing/2014/main" id="{CFF42BAE-3249-46C8-9108-A83C87206BC3}"/>
@@ -17598,7 +20730,7 @@
             <a:bodyPr/>
             <a:lstStyle/>
             <a:p>
-              <a:endParaRPr lang="en-US" dirty="0"/>
+              <a:endParaRPr lang="en-US"/>
             </a:p>
           </p:txBody>
         </p:sp>
@@ -17711,7 +20843,7 @@
       </p:grpSp>
       <p:sp useBgFill="1">
         <p:nvSpPr>
-          <p:cNvPr id="67" name="Rectangle 34">
+          <p:cNvPr id="132" name="Rectangle 34">
             <a:extLst>
               <a:ext uri="{FF2B5EF4-FFF2-40B4-BE49-F238E27FC236}">
                 <a16:creationId xmlns:a16="http://schemas.microsoft.com/office/drawing/2014/main" id="{29831267-5CAE-41B8-A1CC-66FE1628A6A7}"/>
@@ -17771,7 +20903,7 @@
       </p:sp>
       <p:grpSp>
         <p:nvGrpSpPr>
-          <p:cNvPr id="68" name="Group 36">
+          <p:cNvPr id="133" name="Group 36">
             <a:extLst>
               <a:ext uri="{FF2B5EF4-FFF2-40B4-BE49-F238E27FC236}">
                 <a16:creationId xmlns:a16="http://schemas.microsoft.com/office/drawing/2014/main" id="{379EE808-85F9-455B-B8F9-FBE90075FBB5}"/>
@@ -19231,7 +22363,7 @@
       </p:grpSp>
       <p:grpSp>
         <p:nvGrpSpPr>
-          <p:cNvPr id="69" name="Group 59">
+          <p:cNvPr id="134" name="Group 59">
             <a:extLst>
               <a:ext uri="{FF2B5EF4-FFF2-40B4-BE49-F238E27FC236}">
                 <a16:creationId xmlns:a16="http://schemas.microsoft.com/office/drawing/2014/main" id="{F8D580F2-1EDA-4B5F-98EB-EF8F18E9B7CF}"/>
@@ -19262,7 +22394,7 @@
         </p:grpSpPr>
         <p:sp>
           <p:nvSpPr>
-            <p:cNvPr id="61" name="Rectangle 60">
+            <p:cNvPr id="135" name="Rectangle 60">
               <a:extLst>
                 <a:ext uri="{FF2B5EF4-FFF2-40B4-BE49-F238E27FC236}">
                   <a16:creationId xmlns:a16="http://schemas.microsoft.com/office/drawing/2014/main" id="{E0F2EADF-2A67-482F-B290-DED5172BB689}"/>
@@ -19316,7 +22448,7 @@
             <a:bodyPr/>
             <a:lstStyle/>
             <a:p>
-              <a:endParaRPr lang="en-US" dirty="0"/>
+              <a:endParaRPr lang="en-US"/>
             </a:p>
           </p:txBody>
         </p:sp>
@@ -19427,219 +22559,28 @@
           </p:style>
         </p:sp>
       </p:grpSp>
-      <p:sp>
-        <p:nvSpPr>
-          <p:cNvPr id="2" name="TextBox 1">
+      <p:graphicFrame>
+        <p:nvGraphicFramePr>
+          <p:cNvPr id="72" name="TextBox 1">
             <a:extLst>
               <a:ext uri="{FF2B5EF4-FFF2-40B4-BE49-F238E27FC236}">
-                <a16:creationId xmlns:a16="http://schemas.microsoft.com/office/drawing/2014/main" id="{DFDF207D-AF97-FB49-8E62-3CAADB108E42}"/>
+                <a16:creationId xmlns:a16="http://schemas.microsoft.com/office/drawing/2014/main" id="{B549DC62-4178-4E3D-9F20-FB8BD06CBA1A}"/>
               </a:ext>
             </a:extLst>
           </p:cNvPr>
-          <p:cNvSpPr txBox="1"/>
+          <p:cNvGraphicFramePr/>
           <p:nvPr/>
-        </p:nvSpPr>
-        <p:spPr>
-          <a:xfrm>
-            <a:off x="5118447" y="803186"/>
-            <a:ext cx="6281873" cy="5248622"/>
-          </a:xfrm>
-          <a:prstGeom prst="rect">
-            <a:avLst/>
-          </a:prstGeom>
-        </p:spPr>
-        <p:txBody>
-          <a:bodyPr vert="horz" lIns="91440" tIns="45720" rIns="91440" bIns="45720" rtlCol="0" anchor="ctr">
-            <a:normAutofit/>
-          </a:bodyPr>
-          <a:lstStyle/>
-          <a:p>
-            <a:pPr marL="285750" indent="-228600" defTabSz="914400">
-              <a:lnSpc>
-                <a:spcPct val="120000"/>
-              </a:lnSpc>
-              <a:spcAft>
-                <a:spcPts val="600"/>
-              </a:spcAft>
-              <a:buClr>
-                <a:schemeClr val="accent1"/>
-              </a:buClr>
-              <a:buSzPct val="110000"/>
-              <a:buFont typeface="Wingdings" panose="05000000000000000000" pitchFamily="2" charset="2"/>
-              <a:buChar char="§"/>
-            </a:pPr>
-            <a:r>
-              <a:rPr lang="en-US" dirty="0"/>
-              <a:t>User Log In</a:t>
-            </a:r>
-          </a:p>
-          <a:p>
-            <a:pPr marL="285750" indent="-228600" defTabSz="914400">
-              <a:lnSpc>
-                <a:spcPct val="120000"/>
-              </a:lnSpc>
-              <a:spcAft>
-                <a:spcPts val="600"/>
-              </a:spcAft>
-              <a:buClr>
-                <a:schemeClr val="accent1"/>
-              </a:buClr>
-              <a:buSzPct val="110000"/>
-              <a:buFont typeface="Wingdings" panose="05000000000000000000" pitchFamily="2" charset="2"/>
-              <a:buChar char="§"/>
-            </a:pPr>
-            <a:endParaRPr lang="en-US" dirty="0"/>
-          </a:p>
-          <a:p>
-            <a:pPr marL="285750" indent="-228600" defTabSz="914400">
-              <a:lnSpc>
-                <a:spcPct val="120000"/>
-              </a:lnSpc>
-              <a:spcAft>
-                <a:spcPts val="600"/>
-              </a:spcAft>
-              <a:buClr>
-                <a:schemeClr val="accent1"/>
-              </a:buClr>
-              <a:buSzPct val="110000"/>
-              <a:buFont typeface="Wingdings" panose="05000000000000000000" pitchFamily="2" charset="2"/>
-              <a:buChar char="§"/>
-            </a:pPr>
-            <a:r>
-              <a:rPr lang="en-US" dirty="0"/>
-              <a:t>New Reimbursement Request Submittal</a:t>
-            </a:r>
-          </a:p>
-          <a:p>
-            <a:pPr indent="-228600" defTabSz="914400">
-              <a:lnSpc>
-                <a:spcPct val="120000"/>
-              </a:lnSpc>
-              <a:spcAft>
-                <a:spcPts val="600"/>
-              </a:spcAft>
-              <a:buClr>
-                <a:schemeClr val="accent1"/>
-              </a:buClr>
-              <a:buSzPct val="110000"/>
-              <a:buFont typeface="Wingdings" panose="05000000000000000000" pitchFamily="2" charset="2"/>
-              <a:buChar char="§"/>
-            </a:pPr>
-            <a:endParaRPr lang="en-US" dirty="0"/>
-          </a:p>
-          <a:p>
-            <a:pPr marL="285750" indent="-228600" defTabSz="914400">
-              <a:lnSpc>
-                <a:spcPct val="120000"/>
-              </a:lnSpc>
-              <a:spcAft>
-                <a:spcPts val="600"/>
-              </a:spcAft>
-              <a:buClr>
-                <a:schemeClr val="accent1"/>
-              </a:buClr>
-              <a:buSzPct val="110000"/>
-              <a:buFont typeface="Wingdings" panose="05000000000000000000" pitchFamily="2" charset="2"/>
-              <a:buChar char="§"/>
-            </a:pPr>
-            <a:r>
-              <a:rPr lang="en-US" dirty="0"/>
-              <a:t>Department Head Approval</a:t>
-            </a:r>
-          </a:p>
-          <a:p>
-            <a:pPr indent="-228600" defTabSz="914400">
-              <a:lnSpc>
-                <a:spcPct val="120000"/>
-              </a:lnSpc>
-              <a:spcAft>
-                <a:spcPts val="600"/>
-              </a:spcAft>
-              <a:buClr>
-                <a:schemeClr val="accent1"/>
-              </a:buClr>
-              <a:buSzPct val="110000"/>
-              <a:buFont typeface="Wingdings" panose="05000000000000000000" pitchFamily="2" charset="2"/>
-              <a:buChar char="§"/>
-            </a:pPr>
-            <a:endParaRPr lang="en-US" dirty="0"/>
-          </a:p>
-          <a:p>
-            <a:pPr marL="285750" indent="-228600" defTabSz="914400">
-              <a:lnSpc>
-                <a:spcPct val="120000"/>
-              </a:lnSpc>
-              <a:spcAft>
-                <a:spcPts val="600"/>
-              </a:spcAft>
-              <a:buClr>
-                <a:schemeClr val="accent1"/>
-              </a:buClr>
-              <a:buSzPct val="110000"/>
-              <a:buFont typeface="Wingdings" panose="05000000000000000000" pitchFamily="2" charset="2"/>
-              <a:buChar char="§"/>
-            </a:pPr>
-            <a:r>
-              <a:rPr lang="en-US" dirty="0"/>
-              <a:t>Benefits Coordinator Approval</a:t>
-            </a:r>
-          </a:p>
-          <a:p>
-            <a:pPr indent="-228600" defTabSz="914400">
-              <a:lnSpc>
-                <a:spcPct val="120000"/>
-              </a:lnSpc>
-              <a:spcAft>
-                <a:spcPts val="600"/>
-              </a:spcAft>
-              <a:buClr>
-                <a:schemeClr val="accent1"/>
-              </a:buClr>
-              <a:buSzPct val="110000"/>
-              <a:buFont typeface="Wingdings" panose="05000000000000000000" pitchFamily="2" charset="2"/>
-              <a:buChar char="§"/>
-            </a:pPr>
-            <a:endParaRPr lang="en-US" dirty="0"/>
-          </a:p>
-          <a:p>
-            <a:pPr marL="285750" indent="-228600" defTabSz="914400">
-              <a:lnSpc>
-                <a:spcPct val="120000"/>
-              </a:lnSpc>
-              <a:spcAft>
-                <a:spcPts val="600"/>
-              </a:spcAft>
-              <a:buClr>
-                <a:schemeClr val="accent1"/>
-              </a:buClr>
-              <a:buSzPct val="110000"/>
-              <a:buFont typeface="Wingdings" panose="05000000000000000000" pitchFamily="2" charset="2"/>
-              <a:buChar char="§"/>
-            </a:pPr>
-            <a:r>
-              <a:rPr lang="en-US" dirty="0"/>
-              <a:t>Reference all Professional Development Resources</a:t>
-            </a:r>
-          </a:p>
-          <a:p>
-            <a:pPr marL="285750" indent="-228600" defTabSz="914400">
-              <a:lnSpc>
-                <a:spcPct val="120000"/>
-              </a:lnSpc>
-              <a:spcAft>
-                <a:spcPts val="600"/>
-              </a:spcAft>
-              <a:buClr>
-                <a:schemeClr val="accent1"/>
-              </a:buClr>
-              <a:buSzPct val="110000"/>
-              <a:buFont typeface="Wingdings" panose="05000000000000000000" pitchFamily="2" charset="2"/>
-              <a:buChar char="§"/>
-            </a:pPr>
-            <a:endParaRPr lang="en-US" dirty="0"/>
-          </a:p>
-        </p:txBody>
-      </p:sp>
+        </p:nvGraphicFramePr>
+        <p:xfrm>
+          <a:off x="5118447" y="803186"/>
+          <a:ext cx="6281873" cy="5248622"/>
+        </p:xfrm>
+        <a:graphic>
+          <a:graphicData uri="http://schemas.openxmlformats.org/drawingml/2006/diagram">
+            <dgm:relIds xmlns:dgm="http://schemas.openxmlformats.org/drawingml/2006/diagram" xmlns:r="http://schemas.openxmlformats.org/officeDocument/2006/relationships" r:dm="rId2" r:lo="rId3" r:qs="rId4" r:cs="rId5"/>
+          </a:graphicData>
+        </a:graphic>
+      </p:graphicFrame>
     </p:spTree>
     <p:extLst>
       <p:ext uri="{BB962C8B-B14F-4D97-AF65-F5344CB8AC3E}">
